--- a/UCU.pptx
+++ b/UCU.pptx
@@ -20,8 +20,14 @@
     <p:sldId id="269" r:id="rId14"/>
     <p:sldId id="270" r:id="rId15"/>
     <p:sldId id="271" r:id="rId16"/>
-    <p:sldId id="268" r:id="rId17"/>
-    <p:sldId id="272" r:id="rId18"/>
+    <p:sldId id="273" r:id="rId17"/>
+    <p:sldId id="274" r:id="rId18"/>
+    <p:sldId id="275" r:id="rId19"/>
+    <p:sldId id="276" r:id="rId20"/>
+    <p:sldId id="277" r:id="rId21"/>
+    <p:sldId id="278" r:id="rId22"/>
+    <p:sldId id="268" r:id="rId23"/>
+    <p:sldId id="272" r:id="rId24"/>
   </p:sldIdLst>
   <p:sldSz cx="12192000" cy="6858000"/>
   <p:notesSz cx="6858000" cy="9144000"/>
@@ -132,10 +138,13 @@
 <p1510:revInfo xmlns:a="http://schemas.openxmlformats.org/drawingml/2006/main" xmlns:r="http://schemas.openxmlformats.org/officeDocument/2006/relationships" xmlns:p1510="http://schemas.microsoft.com/office/powerpoint/2015/10/main">
   <p1510:revLst>
     <p1510:client id="{0CEC2B21-7BD5-4894-B57B-551D6A3D8F9D}" v="4" dt="2021-02-23T13:11:38.088"/>
+    <p1510:client id="{24A90408-77EF-8ED8-D43B-B0BBF63A5485}" v="54" dt="2021-02-26T01:12:48.599"/>
     <p1510:client id="{28C2671E-ED6C-4108-958B-1752D0D4BDC1}" v="1427" dt="2021-02-21T11:36:51.784"/>
     <p1510:client id="{3675F018-5DB8-5DE4-2C9A-1934E34B1BD8}" v="165" dt="2021-02-25T12:24:44.370"/>
     <p1510:client id="{55ECA188-DC13-039C-2A4A-F59EB487F97D}" v="430" dt="2021-02-24T20:21:15.254"/>
+    <p1510:client id="{8510E5FF-13F9-2A1F-1D09-386AEBDEBE87}" v="131" dt="2021-02-26T07:35:27.686"/>
     <p1510:client id="{D70D3577-D42C-45E0-80CA-7E15DAF9C622}" v="373" dt="2021-02-25T11:26:43.329"/>
+    <p1510:client id="{E7FDAE9F-C066-2000-B64B-EFC252CDF38A}" v="123" dt="2021-02-26T09:46:37.024"/>
   </p1510:revLst>
 </p1510:revInfo>
 </file>
@@ -4960,7 +4969,7 @@
             <a:fld id="{B61BEF0D-F0BB-DE4B-95CE-6DB70DBA9567}" type="datetimeFigureOut">
               <a:rPr lang="en-US" dirty="0"/>
               <a:pPr/>
-              <a:t>2/25/2021</a:t>
+              <a:t>2/26/2021</a:t>
             </a:fld>
             <a:endParaRPr lang="en-US" dirty="0"/>
           </a:p>
@@ -5291,7 +5300,7 @@
             <a:fld id="{B61BEF0D-F0BB-DE4B-95CE-6DB70DBA9567}" type="datetimeFigureOut">
               <a:rPr lang="en-US" dirty="0"/>
               <a:pPr/>
-              <a:t>2/25/2021</a:t>
+              <a:t>2/26/2021</a:t>
             </a:fld>
             <a:endParaRPr lang="en-US" dirty="0"/>
           </a:p>
@@ -5566,7 +5575,7 @@
             <a:fld id="{B61BEF0D-F0BB-DE4B-95CE-6DB70DBA9567}" type="datetimeFigureOut">
               <a:rPr lang="en-US" dirty="0"/>
               <a:pPr/>
-              <a:t>2/25/2021</a:t>
+              <a:t>2/26/2021</a:t>
             </a:fld>
             <a:endParaRPr lang="en-US" dirty="0"/>
           </a:p>
@@ -6131,7 +6140,7 @@
             <a:fld id="{B61BEF0D-F0BB-DE4B-95CE-6DB70DBA9567}" type="datetimeFigureOut">
               <a:rPr lang="en-US" dirty="0"/>
               <a:pPr/>
-              <a:t>2/25/2021</a:t>
+              <a:t>2/26/2021</a:t>
             </a:fld>
             <a:endParaRPr lang="en-US" dirty="0"/>
           </a:p>
@@ -6406,7 +6415,7 @@
             <a:fld id="{B61BEF0D-F0BB-DE4B-95CE-6DB70DBA9567}" type="datetimeFigureOut">
               <a:rPr lang="en-US" dirty="0"/>
               <a:pPr/>
-              <a:t>2/25/2021</a:t>
+              <a:t>2/26/2021</a:t>
             </a:fld>
             <a:endParaRPr lang="en-US" dirty="0"/>
           </a:p>
@@ -6965,7 +6974,7 @@
             <a:fld id="{B61BEF0D-F0BB-DE4B-95CE-6DB70DBA9567}" type="datetimeFigureOut">
               <a:rPr lang="en-US" dirty="0"/>
               <a:pPr/>
-              <a:t>2/25/2021</a:t>
+              <a:t>2/26/2021</a:t>
             </a:fld>
             <a:endParaRPr lang="en-US" dirty="0"/>
           </a:p>
@@ -7289,7 +7298,7 @@
             <a:fld id="{B61BEF0D-F0BB-DE4B-95CE-6DB70DBA9567}" type="datetimeFigureOut">
               <a:rPr lang="en-US" dirty="0"/>
               <a:pPr/>
-              <a:t>2/25/2021</a:t>
+              <a:t>2/26/2021</a:t>
             </a:fld>
             <a:endParaRPr lang="en-US" dirty="0"/>
           </a:p>
@@ -7463,7 +7472,7 @@
             <a:fld id="{B61BEF0D-F0BB-DE4B-95CE-6DB70DBA9567}" type="datetimeFigureOut">
               <a:rPr lang="en-US" dirty="0"/>
               <a:pPr/>
-              <a:t>2/25/2021</a:t>
+              <a:t>2/26/2021</a:t>
             </a:fld>
             <a:endParaRPr lang="en-US" dirty="0"/>
           </a:p>
@@ -7698,7 +7707,7 @@
             <a:fld id="{B61BEF0D-F0BB-DE4B-95CE-6DB70DBA9567}" type="datetimeFigureOut">
               <a:rPr lang="en-US" dirty="0"/>
               <a:pPr/>
-              <a:t>2/25/2021</a:t>
+              <a:t>2/26/2021</a:t>
             </a:fld>
             <a:endParaRPr lang="en-US" dirty="0"/>
           </a:p>
@@ -7895,7 +7904,7 @@
             <a:fld id="{B61BEF0D-F0BB-DE4B-95CE-6DB70DBA9567}" type="datetimeFigureOut">
               <a:rPr lang="en-US" dirty="0"/>
               <a:pPr/>
-              <a:t>2/25/2021</a:t>
+              <a:t>2/26/2021</a:t>
             </a:fld>
             <a:endParaRPr lang="en-US" dirty="0"/>
           </a:p>
@@ -8168,7 +8177,7 @@
             <a:fld id="{B61BEF0D-F0BB-DE4B-95CE-6DB70DBA9567}" type="datetimeFigureOut">
               <a:rPr lang="en-US" dirty="0"/>
               <a:pPr/>
-              <a:t>2/25/2021</a:t>
+              <a:t>2/26/2021</a:t>
             </a:fld>
             <a:endParaRPr lang="en-US" dirty="0"/>
           </a:p>
@@ -8431,7 +8440,7 @@
             <a:fld id="{B61BEF0D-F0BB-DE4B-95CE-6DB70DBA9567}" type="datetimeFigureOut">
               <a:rPr lang="en-US" dirty="0"/>
               <a:pPr/>
-              <a:t>2/25/2021</a:t>
+              <a:t>2/26/2021</a:t>
             </a:fld>
             <a:endParaRPr lang="en-US" dirty="0"/>
           </a:p>
@@ -8802,7 +8811,7 @@
             <a:fld id="{B61BEF0D-F0BB-DE4B-95CE-6DB70DBA9567}" type="datetimeFigureOut">
               <a:rPr lang="en-US" dirty="0"/>
               <a:pPr/>
-              <a:t>2/25/2021</a:t>
+              <a:t>2/26/2021</a:t>
             </a:fld>
             <a:endParaRPr lang="en-US" dirty="0"/>
           </a:p>
@@ -8947,7 +8956,7 @@
             <a:fld id="{B61BEF0D-F0BB-DE4B-95CE-6DB70DBA9567}" type="datetimeFigureOut">
               <a:rPr lang="en-US" dirty="0"/>
               <a:pPr/>
-              <a:t>2/25/2021</a:t>
+              <a:t>2/26/2021</a:t>
             </a:fld>
             <a:endParaRPr lang="en-US" dirty="0"/>
           </a:p>
@@ -9069,7 +9078,7 @@
             <a:fld id="{B61BEF0D-F0BB-DE4B-95CE-6DB70DBA9567}" type="datetimeFigureOut">
               <a:rPr lang="en-US" dirty="0"/>
               <a:pPr/>
-              <a:t>2/25/2021</a:t>
+              <a:t>2/26/2021</a:t>
             </a:fld>
             <a:endParaRPr lang="en-US" dirty="0"/>
           </a:p>
@@ -9351,7 +9360,7 @@
             <a:fld id="{B61BEF0D-F0BB-DE4B-95CE-6DB70DBA9567}" type="datetimeFigureOut">
               <a:rPr lang="en-US" dirty="0"/>
               <a:pPr/>
-              <a:t>2/25/2021</a:t>
+              <a:t>2/26/2021</a:t>
             </a:fld>
             <a:endParaRPr lang="en-US" dirty="0"/>
           </a:p>
@@ -9672,7 +9681,7 @@
             <a:fld id="{B61BEF0D-F0BB-DE4B-95CE-6DB70DBA9567}" type="datetimeFigureOut">
               <a:rPr lang="en-US" dirty="0"/>
               <a:pPr/>
-              <a:t>2/25/2021</a:t>
+              <a:t>2/26/2021</a:t>
             </a:fld>
             <a:endParaRPr lang="en-US" dirty="0"/>
           </a:p>
@@ -9883,7 +9892,7 @@
             <a:fld id="{B61BEF0D-F0BB-DE4B-95CE-6DB70DBA9567}" type="datetimeFigureOut">
               <a:rPr lang="en-US" dirty="0"/>
               <a:pPr/>
-              <a:t>2/25/2021</a:t>
+              <a:t>2/26/2021</a:t>
             </a:fld>
             <a:endParaRPr lang="en-US" dirty="0"/>
           </a:p>
@@ -12309,7 +12318,7 @@
         </p:nvSpPr>
         <p:spPr>
           <a:xfrm>
-            <a:off x="1361187" y="1030288"/>
+            <a:off x="1183978" y="941683"/>
             <a:ext cx="4099947" cy="1035579"/>
           </a:xfrm>
           <a:prstGeom prst="rect">
@@ -12476,71 +12485,6 @@
           <a:lstStyle/>
           <a:p>
             <a:pPr algn="ctr"/>
-            <a:endParaRPr lang="en-US"/>
-          </a:p>
-        </p:txBody>
-      </p:sp>
-      <p:sp>
-        <p:nvSpPr>
-          <p:cNvPr id="8" name="TextBox 7">
-            <a:extLst>
-              <a:ext uri="{FF2B5EF4-FFF2-40B4-BE49-F238E27FC236}">
-                <a16:creationId xmlns:a16="http://schemas.microsoft.com/office/drawing/2014/main" id="{955E8B3F-B4D0-4B06-B5A4-00DAB49926F5}"/>
-              </a:ext>
-            </a:extLst>
-          </p:cNvPr>
-          <p:cNvSpPr txBox="1"/>
-          <p:nvPr/>
-        </p:nvSpPr>
-        <p:spPr>
-          <a:xfrm>
-            <a:off x="231325" y="2142067"/>
-            <a:ext cx="5229809" cy="3649133"/>
-          </a:xfrm>
-          <a:prstGeom prst="rect">
-            <a:avLst/>
-          </a:prstGeom>
-        </p:spPr>
-        <p:txBody>
-          <a:bodyPr rot="0" spcFirstLastPara="0" vertOverflow="overflow" horzOverflow="overflow" vert="horz" lIns="91440" tIns="45720" rIns="91440" bIns="45720" numCol="1" spcCol="0" rtlCol="0" fromWordArt="0" anchor="ctr" anchorCtr="0" forceAA="0" compatLnSpc="1">
-            <a:prstTxWarp prst="textNoShape">
-              <a:avLst/>
-            </a:prstTxWarp>
-            <a:normAutofit/>
-          </a:bodyPr>
-          <a:lstStyle/>
-          <a:p>
-            <a:pPr>
-              <a:spcAft>
-                <a:spcPts val="1000"/>
-              </a:spcAft>
-              <a:buClr>
-                <a:schemeClr val="tx1"/>
-              </a:buClr>
-              <a:buSzPct val="100000"/>
-              <a:buFont typeface="Arial"/>
-              <a:buChar char="•"/>
-            </a:pPr>
-            <a:r>
-              <a:rPr lang="en-US" dirty="0">
-                <a:latin typeface="Bell MT"/>
-              </a:rPr>
-              <a:t>Long Short-Term Memory (Hochreiter and Schmidhuber, 1997)</a:t>
-            </a:r>
-            <a:endParaRPr lang="en-US" dirty="0"/>
-          </a:p>
-          <a:p>
-            <a:pPr>
-              <a:spcAft>
-                <a:spcPts val="1000"/>
-              </a:spcAft>
-              <a:buClr>
-                <a:srgbClr val="FFFFFF"/>
-              </a:buClr>
-              <a:buSzPct val="100000"/>
-              <a:buFont typeface="Arial"/>
-              <a:buChar char="•"/>
-            </a:pPr>
             <a:endParaRPr lang="en-US"/>
           </a:p>
         </p:txBody>
@@ -13038,6 +12982,36 @@
           </a:p>
         </p:txBody>
       </p:sp>
+      <p:pic>
+        <p:nvPicPr>
+          <p:cNvPr id="3" name="Picture 4" descr="Diagram&#10;&#10;Description automatically generated">
+            <a:extLst>
+              <a:ext uri="{FF2B5EF4-FFF2-40B4-BE49-F238E27FC236}">
+                <a16:creationId xmlns:a16="http://schemas.microsoft.com/office/drawing/2014/main" id="{F92D370F-8977-4ED2-823E-0031E0A55FC3}"/>
+              </a:ext>
+            </a:extLst>
+          </p:cNvPr>
+          <p:cNvPicPr>
+            <a:picLocks noChangeAspect="1"/>
+          </p:cNvPicPr>
+          <p:nvPr/>
+        </p:nvPicPr>
+        <p:blipFill>
+          <a:blip r:embed="rId7"/>
+          <a:stretch>
+            <a:fillRect/>
+          </a:stretch>
+        </p:blipFill>
+        <p:spPr>
+          <a:xfrm>
+            <a:off x="1109330" y="2359985"/>
+            <a:ext cx="4338082" cy="1730448"/>
+          </a:xfrm>
+          <a:prstGeom prst="rect">
+            <a:avLst/>
+          </a:prstGeom>
+        </p:spPr>
+      </p:pic>
     </p:spTree>
     <p:extLst>
       <p:ext uri="{BB962C8B-B14F-4D97-AF65-F5344CB8AC3E}">
@@ -13490,6 +13464,64 @@
           </a:effectLst>
         </p:spPr>
       </p:pic>
+      <p:sp>
+        <p:nvSpPr>
+          <p:cNvPr id="2" name="TextBox 1">
+            <a:extLst>
+              <a:ext uri="{FF2B5EF4-FFF2-40B4-BE49-F238E27FC236}">
+                <a16:creationId xmlns:a16="http://schemas.microsoft.com/office/drawing/2014/main" id="{83CC8190-5325-4E18-854C-1D9A0D032090}"/>
+              </a:ext>
+            </a:extLst>
+          </p:cNvPr>
+          <p:cNvSpPr txBox="1"/>
+          <p:nvPr/>
+        </p:nvSpPr>
+        <p:spPr>
+          <a:xfrm>
+            <a:off x="1977656" y="6088911"/>
+            <a:ext cx="10301175" cy="523220"/>
+          </a:xfrm>
+          <a:prstGeom prst="rect">
+            <a:avLst/>
+          </a:prstGeom>
+          <a:noFill/>
+        </p:spPr>
+        <p:txBody>
+          <a:bodyPr rot="0" spcFirstLastPara="0" vertOverflow="overflow" horzOverflow="overflow" vert="horz" wrap="square" lIns="91440" tIns="45720" rIns="91440" bIns="45720" numCol="1" spcCol="0" rtlCol="0" fromWordArt="0" anchor="t" anchorCtr="0" forceAA="0" compatLnSpc="1">
+            <a:prstTxWarp prst="textNoShape">
+              <a:avLst/>
+            </a:prstTxWarp>
+            <a:spAutoFit/>
+          </a:bodyPr>
+          <a:lstStyle/>
+          <a:p>
+            <a:r>
+              <a:rPr lang="en-US" sz="1400" dirty="0">
+                <a:latin typeface="Bookman Old Style"/>
+                <a:hlinkClick r:id="rId4"/>
+              </a:rPr>
+              <a:t>https://medium.com/mlreview/understanding-lstm-and-its-diagrams-37e2f46f1714</a:t>
+            </a:r>
+            <a:endParaRPr lang="en-US" sz="1400">
+              <a:latin typeface="Bookman Old Style"/>
+            </a:endParaRPr>
+          </a:p>
+          <a:p>
+            <a:r>
+              <a:rPr lang="en-US" sz="1400" dirty="0">
+                <a:latin typeface="Bookman Old Style"/>
+                <a:ea typeface="+mn-lt"/>
+                <a:cs typeface="+mn-lt"/>
+                <a:hlinkClick r:id="rId5"/>
+              </a:rPr>
+              <a:t>https://towardsdatascience.com/illustrated-guide-to-lstms-and-gru-s-a-step-by-step-explanation-44e9eb85bf21</a:t>
+            </a:r>
+            <a:endParaRPr lang="en-US" dirty="0">
+              <a:latin typeface="Bookman Old Style"/>
+            </a:endParaRPr>
+          </a:p>
+        </p:txBody>
+      </p:sp>
     </p:spTree>
     <p:extLst>
       <p:ext uri="{BB962C8B-B14F-4D97-AF65-F5344CB8AC3E}">
@@ -14620,6 +14652,524 @@
 <file path=ppt/slides/slide16.xml><?xml version="1.0" encoding="utf-8"?>
 <p:sld xmlns:a="http://schemas.openxmlformats.org/drawingml/2006/main" xmlns:r="http://schemas.openxmlformats.org/officeDocument/2006/relationships" xmlns:p="http://schemas.openxmlformats.org/presentationml/2006/main">
   <p:cSld>
+    <p:bg>
+      <p:bgPr>
+        <a:blipFill>
+          <a:blip r:embed="rId2"/>
+          <a:stretch/>
+        </a:blipFill>
+        <a:effectLst/>
+      </p:bgPr>
+    </p:bg>
+    <p:spTree>
+      <p:nvGrpSpPr>
+        <p:cNvPr id="1" name=""/>
+        <p:cNvGrpSpPr/>
+        <p:nvPr/>
+      </p:nvGrpSpPr>
+      <p:grpSpPr>
+        <a:xfrm>
+          <a:off x="0" y="0"/>
+          <a:ext cx="0" cy="0"/>
+          <a:chOff x="0" y="0"/>
+          <a:chExt cx="0" cy="0"/>
+        </a:xfrm>
+      </p:grpSpPr>
+      <p:sp useBgFill="1">
+        <p:nvSpPr>
+          <p:cNvPr id="9" name="Rectangle 8">
+            <a:extLst>
+              <a:ext uri="{FF2B5EF4-FFF2-40B4-BE49-F238E27FC236}">
+                <a16:creationId xmlns:a16="http://schemas.microsoft.com/office/drawing/2014/main" id="{CBD94887-6A10-4F62-8EE1-B2BCFA1F380F}"/>
+              </a:ext>
+              <a:ext uri="{C183D7F6-B498-43B3-948B-1728B52AA6E4}">
+                <adec:decorative xmlns:adec="http://schemas.microsoft.com/office/drawing/2017/decorative" val="1"/>
+              </a:ext>
+            </a:extLst>
+          </p:cNvPr>
+          <p:cNvSpPr>
+            <a:spLocks noGrp="1" noRot="1" noChangeAspect="1" noMove="1" noResize="1" noEditPoints="1" noAdjustHandles="1" noChangeArrowheads="1" noChangeShapeType="1" noTextEdit="1"/>
+          </p:cNvSpPr>
+          <p:nvPr>
+            <p:extLst>
+              <p:ext uri="{386F3935-93C4-4BCD-93E2-E3B085C9AB24}">
+                <p16:designElem xmlns:p16="http://schemas.microsoft.com/office/powerpoint/2015/main" val="1"/>
+              </p:ext>
+            </p:extLst>
+          </p:nvPr>
+        </p:nvSpPr>
+        <p:spPr>
+          <a:xfrm>
+            <a:off x="-3175" y="-1786"/>
+            <a:ext cx="12188825" cy="6856214"/>
+          </a:xfrm>
+          <a:prstGeom prst="rect">
+            <a:avLst/>
+          </a:prstGeom>
+          <a:ln>
+            <a:noFill/>
+          </a:ln>
+        </p:spPr>
+        <p:style>
+          <a:lnRef idx="2">
+            <a:schemeClr val="accent1">
+              <a:shade val="50000"/>
+            </a:schemeClr>
+          </a:lnRef>
+          <a:fillRef idx="1">
+            <a:schemeClr val="accent1"/>
+          </a:fillRef>
+          <a:effectRef idx="0">
+            <a:schemeClr val="accent1"/>
+          </a:effectRef>
+          <a:fontRef idx="minor">
+            <a:schemeClr val="lt1"/>
+          </a:fontRef>
+        </p:style>
+        <p:txBody>
+          <a:bodyPr rtlCol="0" anchor="ctr"/>
+          <a:lstStyle/>
+          <a:p>
+            <a:pPr algn="ctr"/>
+            <a:endParaRPr lang="en-US"/>
+          </a:p>
+        </p:txBody>
+      </p:sp>
+      <p:pic>
+        <p:nvPicPr>
+          <p:cNvPr id="4" name="Picture 5">
+            <a:extLst>
+              <a:ext uri="{FF2B5EF4-FFF2-40B4-BE49-F238E27FC236}">
+                <a16:creationId xmlns:a16="http://schemas.microsoft.com/office/drawing/2014/main" id="{4854BB1C-6788-4ED9-B5A1-CF1FF478CB6A}"/>
+              </a:ext>
+            </a:extLst>
+          </p:cNvPr>
+          <p:cNvPicPr>
+            <a:picLocks noChangeAspect="1"/>
+          </p:cNvPicPr>
+          <p:nvPr/>
+        </p:nvPicPr>
+        <p:blipFill rotWithShape="1">
+          <a:blip r:embed="rId3">
+            <a:alphaModFix amt="20000"/>
+          </a:blip>
+          <a:srcRect t="2784" b="13261"/>
+          <a:stretch/>
+        </p:blipFill>
+        <p:spPr>
+          <a:xfrm>
+            <a:off x="20" y="10"/>
+            <a:ext cx="12191980" cy="6857990"/>
+          </a:xfrm>
+          <a:prstGeom prst="rect">
+            <a:avLst/>
+          </a:prstGeom>
+        </p:spPr>
+      </p:pic>
+      <p:pic>
+        <p:nvPicPr>
+          <p:cNvPr id="11" name="Picture 10">
+            <a:extLst>
+              <a:ext uri="{FF2B5EF4-FFF2-40B4-BE49-F238E27FC236}">
+                <a16:creationId xmlns:a16="http://schemas.microsoft.com/office/drawing/2014/main" id="{A3D512BA-228A-4979-9312-ACD246E1099D}"/>
+              </a:ext>
+              <a:ext uri="{C183D7F6-B498-43B3-948B-1728B52AA6E4}">
+                <adec:decorative xmlns:adec="http://schemas.microsoft.com/office/drawing/2017/decorative" val="1"/>
+              </a:ext>
+            </a:extLst>
+          </p:cNvPr>
+          <p:cNvPicPr>
+            <a:picLocks noGrp="1" noRot="1" noChangeAspect="1" noMove="1" noResize="1" noEditPoints="1" noAdjustHandles="1" noChangeArrowheads="1" noChangeShapeType="1" noCrop="1"/>
+          </p:cNvPicPr>
+          <p:nvPr>
+            <p:extLst>
+              <p:ext uri="{386F3935-93C4-4BCD-93E2-E3B085C9AB24}">
+                <p16:designElem xmlns:p16="http://schemas.microsoft.com/office/powerpoint/2015/main" val="1"/>
+              </p:ext>
+            </p:extLst>
+          </p:nvPr>
+        </p:nvPicPr>
+        <p:blipFill>
+          <a:blip r:embed="rId4">
+            <a:alphaModFix amt="39000"/>
+            <a:extLst>
+              <a:ext uri="{28A0092B-C50C-407E-A947-70E740481C1C}">
+                <a14:useLocalDpi xmlns:a14="http://schemas.microsoft.com/office/drawing/2010/main" val="0"/>
+              </a:ext>
+            </a:extLst>
+          </a:blip>
+          <a:stretch>
+            <a:fillRect/>
+          </a:stretch>
+        </p:blipFill>
+        <p:spPr>
+          <a:xfrm>
+            <a:off x="0" y="0"/>
+            <a:ext cx="12188825" cy="6856214"/>
+          </a:xfrm>
+          <a:prstGeom prst="rect">
+            <a:avLst/>
+          </a:prstGeom>
+        </p:spPr>
+      </p:pic>
+      <p:sp>
+        <p:nvSpPr>
+          <p:cNvPr id="2" name="Title 1">
+            <a:extLst>
+              <a:ext uri="{FF2B5EF4-FFF2-40B4-BE49-F238E27FC236}">
+                <a16:creationId xmlns:a16="http://schemas.microsoft.com/office/drawing/2014/main" id="{FED4C909-2902-431F-89EC-3635506B5DAD}"/>
+              </a:ext>
+            </a:extLst>
+          </p:cNvPr>
+          <p:cNvSpPr>
+            <a:spLocks noGrp="1"/>
+          </p:cNvSpPr>
+          <p:nvPr>
+            <p:ph type="title"/>
+          </p:nvPr>
+        </p:nvSpPr>
+        <p:spPr>
+          <a:xfrm>
+            <a:off x="685801" y="609600"/>
+            <a:ext cx="10131425" cy="1456267"/>
+          </a:xfrm>
+        </p:spPr>
+        <p:txBody>
+          <a:bodyPr>
+            <a:normAutofit/>
+          </a:bodyPr>
+          <a:lstStyle/>
+          <a:p>
+            <a:r>
+              <a:rPr lang="en-US" dirty="0">
+                <a:latin typeface="Bookman Old Style"/>
+              </a:rPr>
+              <a:t>STM3232F411E DISCOVERY</a:t>
+            </a:r>
+            <a:endParaRPr lang="en-US">
+              <a:latin typeface="Bookman Old Style"/>
+            </a:endParaRPr>
+          </a:p>
+          <a:p>
+            <a:endParaRPr lang="en-US" dirty="0">
+              <a:cs typeface="Calibri Light"/>
+            </a:endParaRPr>
+          </a:p>
+        </p:txBody>
+      </p:sp>
+      <p:sp>
+        <p:nvSpPr>
+          <p:cNvPr id="3" name="Content Placeholder 2">
+            <a:extLst>
+              <a:ext uri="{FF2B5EF4-FFF2-40B4-BE49-F238E27FC236}">
+                <a16:creationId xmlns:a16="http://schemas.microsoft.com/office/drawing/2014/main" id="{2C93410F-94E1-4E2D-8BAC-93A141E65975}"/>
+              </a:ext>
+            </a:extLst>
+          </p:cNvPr>
+          <p:cNvSpPr>
+            <a:spLocks noGrp="1"/>
+          </p:cNvSpPr>
+          <p:nvPr>
+            <p:ph idx="1"/>
+          </p:nvPr>
+        </p:nvSpPr>
+        <p:spPr>
+          <a:xfrm>
+            <a:off x="685801" y="2142067"/>
+            <a:ext cx="10131425" cy="3649133"/>
+          </a:xfrm>
+        </p:spPr>
+        <p:txBody>
+          <a:bodyPr>
+            <a:normAutofit/>
+          </a:bodyPr>
+          <a:lstStyle/>
+          <a:p>
+            <a:pPr>
+              <a:lnSpc>
+                <a:spcPct val="90000"/>
+              </a:lnSpc>
+            </a:pPr>
+            <a:r>
+              <a:rPr lang="en-US" sz="1300">
+                <a:latin typeface="Bookman Old Style"/>
+                <a:ea typeface="+mn-lt"/>
+                <a:cs typeface="+mn-lt"/>
+              </a:rPr>
+              <a:t>STM32F411VET6 microcontroller featuring 512 Kbytes of Flash memory and 128 Kbytes of RAM in an LQFP100 package. </a:t>
+            </a:r>
+            <a:endParaRPr lang="en-US" sz="1300">
+              <a:latin typeface="Bookman Old Style"/>
+              <a:cs typeface="Calibri" panose="020F0502020204030204"/>
+            </a:endParaRPr>
+          </a:p>
+          <a:p>
+            <a:pPr>
+              <a:lnSpc>
+                <a:spcPct val="90000"/>
+              </a:lnSpc>
+              <a:buClr>
+                <a:srgbClr val="FFFFFF"/>
+              </a:buClr>
+            </a:pPr>
+            <a:r>
+              <a:rPr lang="en-US" sz="1300">
+                <a:latin typeface="Bookman Old Style"/>
+                <a:ea typeface="+mn-lt"/>
+                <a:cs typeface="+mn-lt"/>
+              </a:rPr>
+              <a:t>USB OTG FS. </a:t>
+            </a:r>
+            <a:endParaRPr lang="en-US" sz="1300">
+              <a:latin typeface="Bookman Old Style"/>
+            </a:endParaRPr>
+          </a:p>
+          <a:p>
+            <a:pPr>
+              <a:lnSpc>
+                <a:spcPct val="90000"/>
+              </a:lnSpc>
+              <a:buClr>
+                <a:srgbClr val="FFFFFF"/>
+              </a:buClr>
+            </a:pPr>
+            <a:r>
+              <a:rPr lang="en-US" sz="1300">
+                <a:latin typeface="Bookman Old Style"/>
+                <a:ea typeface="+mn-lt"/>
+                <a:cs typeface="+mn-lt"/>
+              </a:rPr>
+              <a:t>ST MEMS 3-axis digital output gyroscope. </a:t>
+            </a:r>
+            <a:endParaRPr lang="en-US" sz="1300">
+              <a:latin typeface="Bookman Old Style"/>
+            </a:endParaRPr>
+          </a:p>
+          <a:p>
+            <a:pPr>
+              <a:lnSpc>
+                <a:spcPct val="90000"/>
+              </a:lnSpc>
+              <a:buClr>
+                <a:srgbClr val="FFFFFF"/>
+              </a:buClr>
+            </a:pPr>
+            <a:r>
+              <a:rPr lang="en-US" sz="1300">
+                <a:latin typeface="Bookman Old Style"/>
+                <a:ea typeface="+mn-lt"/>
+                <a:cs typeface="+mn-lt"/>
+              </a:rPr>
+              <a:t>ST MEMS 3D digital linear accelerometer and magnetic sensor. </a:t>
+            </a:r>
+            <a:endParaRPr lang="en-US" sz="1300">
+              <a:latin typeface="Bookman Old Style"/>
+            </a:endParaRPr>
+          </a:p>
+          <a:p>
+            <a:pPr>
+              <a:lnSpc>
+                <a:spcPct val="90000"/>
+              </a:lnSpc>
+              <a:buClr>
+                <a:srgbClr val="FFFFFF"/>
+              </a:buClr>
+            </a:pPr>
+            <a:r>
+              <a:rPr lang="en-US" sz="1300">
+                <a:latin typeface="Bookman Old Style"/>
+                <a:ea typeface="+mn-lt"/>
+                <a:cs typeface="+mn-lt"/>
+              </a:rPr>
+              <a:t>ST MEMS digital microphone. </a:t>
+            </a:r>
+            <a:endParaRPr lang="en-US" sz="1300">
+              <a:latin typeface="Bookman Old Style"/>
+            </a:endParaRPr>
+          </a:p>
+          <a:p>
+            <a:pPr>
+              <a:lnSpc>
+                <a:spcPct val="90000"/>
+              </a:lnSpc>
+              <a:buClr>
+                <a:srgbClr val="FFFFFF"/>
+              </a:buClr>
+            </a:pPr>
+            <a:r>
+              <a:rPr lang="en-US" sz="1300">
+                <a:latin typeface="Bookman Old Style"/>
+                <a:ea typeface="+mn-lt"/>
+                <a:cs typeface="+mn-lt"/>
+              </a:rPr>
+              <a:t>Audio DAC with integrated class‑D speaker driver. </a:t>
+            </a:r>
+            <a:endParaRPr lang="en-US" sz="1300">
+              <a:latin typeface="Bookman Old Style"/>
+              <a:cs typeface="Calibri"/>
+            </a:endParaRPr>
+          </a:p>
+          <a:p>
+            <a:pPr>
+              <a:lnSpc>
+                <a:spcPct val="90000"/>
+              </a:lnSpc>
+              <a:buClr>
+                <a:srgbClr val="FFFFFF"/>
+              </a:buClr>
+            </a:pPr>
+            <a:r>
+              <a:rPr lang="en-US" sz="1300">
+                <a:latin typeface="Bookman Old Style"/>
+                <a:ea typeface="+mn-lt"/>
+                <a:cs typeface="+mn-lt"/>
+              </a:rPr>
+              <a:t>Eight LEDs: </a:t>
+            </a:r>
+            <a:endParaRPr lang="en-US" sz="1300">
+              <a:latin typeface="Bookman Old Style"/>
+            </a:endParaRPr>
+          </a:p>
+          <a:p>
+            <a:pPr lvl="1">
+              <a:lnSpc>
+                <a:spcPct val="90000"/>
+              </a:lnSpc>
+              <a:buClr>
+                <a:srgbClr val="FFFFFF"/>
+              </a:buClr>
+            </a:pPr>
+            <a:r>
+              <a:rPr lang="en-US" sz="1300">
+                <a:latin typeface="Bookman Old Style"/>
+                <a:ea typeface="+mn-lt"/>
+                <a:cs typeface="+mn-lt"/>
+              </a:rPr>
+              <a:t>LD1 (red/green) for USB communication </a:t>
+            </a:r>
+            <a:endParaRPr lang="en-US" sz="1300">
+              <a:latin typeface="Bookman Old Style"/>
+            </a:endParaRPr>
+          </a:p>
+          <a:p>
+            <a:pPr lvl="1">
+              <a:lnSpc>
+                <a:spcPct val="90000"/>
+              </a:lnSpc>
+              <a:buClr>
+                <a:srgbClr val="FFFFFF"/>
+              </a:buClr>
+            </a:pPr>
+            <a:r>
+              <a:rPr lang="en-US" sz="1300">
+                <a:latin typeface="Bookman Old Style"/>
+                <a:ea typeface="+mn-lt"/>
+                <a:cs typeface="+mn-lt"/>
+              </a:rPr>
+              <a:t>LD2 (red) for 3.3 V power on </a:t>
+            </a:r>
+            <a:endParaRPr lang="en-US" sz="1300">
+              <a:latin typeface="Bookman Old Style"/>
+            </a:endParaRPr>
+          </a:p>
+          <a:p>
+            <a:pPr lvl="1">
+              <a:lnSpc>
+                <a:spcPct val="90000"/>
+              </a:lnSpc>
+              <a:buClr>
+                <a:srgbClr val="FFFFFF"/>
+              </a:buClr>
+            </a:pPr>
+            <a:r>
+              <a:rPr lang="en-US" sz="1300">
+                <a:latin typeface="Bookman Old Style"/>
+                <a:ea typeface="+mn-lt"/>
+                <a:cs typeface="+mn-lt"/>
+              </a:rPr>
+              <a:t>Four user LEDs: LD3 (orange), LD4 (green), LD5 (red) and LD6 (blue) </a:t>
+            </a:r>
+            <a:endParaRPr lang="en-US" sz="1300">
+              <a:latin typeface="Bookman Old Style"/>
+            </a:endParaRPr>
+          </a:p>
+          <a:p>
+            <a:pPr lvl="1">
+              <a:lnSpc>
+                <a:spcPct val="90000"/>
+              </a:lnSpc>
+              <a:buClr>
+                <a:srgbClr val="FFFFFF"/>
+              </a:buClr>
+            </a:pPr>
+            <a:r>
+              <a:rPr lang="en-US" sz="1300">
+                <a:latin typeface="Bookman Old Style"/>
+                <a:ea typeface="+mn-lt"/>
+                <a:cs typeface="+mn-lt"/>
+              </a:rPr>
+              <a:t>Two USB OTG LEDs: LD7 (green) V</a:t>
+            </a:r>
+            <a:r>
+              <a:rPr lang="en-US" sz="1300" baseline="-25000">
+                <a:latin typeface="Bookman Old Style"/>
+                <a:ea typeface="+mn-lt"/>
+                <a:cs typeface="+mn-lt"/>
+              </a:rPr>
+              <a:t>BUS</a:t>
+            </a:r>
+            <a:r>
+              <a:rPr lang="en-US" sz="1300">
+                <a:latin typeface="Bookman Old Style"/>
+                <a:ea typeface="+mn-lt"/>
+                <a:cs typeface="+mn-lt"/>
+              </a:rPr>
+              <a:t> and LD8 (red) over-current. </a:t>
+            </a:r>
+            <a:endParaRPr lang="en-US" sz="1300">
+              <a:latin typeface="Bookman Old Style"/>
+            </a:endParaRPr>
+          </a:p>
+          <a:p>
+            <a:pPr>
+              <a:lnSpc>
+                <a:spcPct val="90000"/>
+              </a:lnSpc>
+              <a:buClr>
+                <a:srgbClr val="FFFFFF"/>
+              </a:buClr>
+            </a:pPr>
+            <a:endParaRPr lang="en-US" sz="1300">
+              <a:cs typeface="Calibri"/>
+            </a:endParaRPr>
+          </a:p>
+        </p:txBody>
+      </p:sp>
+    </p:spTree>
+    <p:extLst>
+      <p:ext uri="{BB962C8B-B14F-4D97-AF65-F5344CB8AC3E}">
+        <p14:creationId xmlns:p14="http://schemas.microsoft.com/office/powerpoint/2010/main" val="3297665910"/>
+      </p:ext>
+    </p:extLst>
+  </p:cSld>
+  <p:clrMapOvr>
+    <a:masterClrMapping/>
+  </p:clrMapOvr>
+</p:sld>
+</file>
+
+<file path=ppt/slides/slide17.xml><?xml version="1.0" encoding="utf-8"?>
+<p:sld xmlns:a="http://schemas.openxmlformats.org/drawingml/2006/main" xmlns:r="http://schemas.openxmlformats.org/officeDocument/2006/relationships" xmlns:p="http://schemas.openxmlformats.org/presentationml/2006/main">
+  <p:cSld>
+    <p:bg>
+      <p:bgPr>
+        <a:blipFill>
+          <a:blip r:embed="rId2"/>
+          <a:stretch/>
+        </a:blipFill>
+        <a:effectLst/>
+      </p:bgPr>
+    </p:bg>
     <p:spTree>
       <p:nvGrpSpPr>
         <p:cNvPr id="1" name=""/>
@@ -14636,473 +15186,280 @@
       </p:grpSpPr>
       <p:sp>
         <p:nvSpPr>
-          <p:cNvPr id="5" name="Title 1">
+          <p:cNvPr id="2" name="Title 1">
             <a:extLst>
               <a:ext uri="{FF2B5EF4-FFF2-40B4-BE49-F238E27FC236}">
-                <a16:creationId xmlns:a16="http://schemas.microsoft.com/office/drawing/2014/main" id="{D179BF5E-E93E-4741-951E-C76C4CFB20A6}"/>
+                <a16:creationId xmlns:a16="http://schemas.microsoft.com/office/drawing/2014/main" id="{FEC82C00-3E27-4D1E-B1CE-5791C2193F15}"/>
               </a:ext>
             </a:extLst>
           </p:cNvPr>
           <p:cNvSpPr>
             <a:spLocks noGrp="1"/>
           </p:cNvSpPr>
-          <p:nvPr/>
+          <p:nvPr>
+            <p:ph type="title"/>
+          </p:nvPr>
         </p:nvSpPr>
         <p:spPr>
           <a:xfrm>
-            <a:off x="256704" y="303115"/>
-            <a:ext cx="7798384" cy="801532"/>
+            <a:off x="406392" y="314192"/>
+            <a:ext cx="4099947" cy="1035579"/>
           </a:xfrm>
-          <a:prstGeom prst="rect">
-            <a:avLst/>
-          </a:prstGeom>
         </p:spPr>
         <p:txBody>
-          <a:bodyPr vert="horz" lIns="91440" tIns="45720" rIns="91440" bIns="45720" rtlCol="0" anchor="ctr">
-            <a:normAutofit fontScale="85000" lnSpcReduction="10000"/>
+          <a:bodyPr>
+            <a:normAutofit/>
           </a:bodyPr>
-          <a:lstStyle>
-            <a:lvl1pPr algn="l" defTabSz="457200" rtl="0" eaLnBrk="1" latinLnBrk="0" hangingPunct="1">
-              <a:spcBef>
-                <a:spcPct val="0"/>
-              </a:spcBef>
-              <a:buNone/>
-              <a:defRPr sz="3600" kern="1200" cap="all">
-                <a:ln w="3175" cmpd="sng">
-                  <a:noFill/>
-                </a:ln>
-                <a:solidFill>
-                  <a:schemeClr val="tx1"/>
-                </a:solidFill>
-                <a:effectLst/>
-                <a:latin typeface="+mj-lt"/>
-                <a:ea typeface="+mj-ea"/>
-                <a:cs typeface="+mj-cs"/>
-              </a:defRPr>
-            </a:lvl1pPr>
-            <a:lvl2pPr eaLnBrk="1" hangingPunct="1">
-              <a:defRPr>
-                <a:solidFill>
-                  <a:schemeClr val="tx2"/>
-                </a:solidFill>
-              </a:defRPr>
-            </a:lvl2pPr>
-            <a:lvl3pPr eaLnBrk="1" hangingPunct="1">
-              <a:defRPr>
-                <a:solidFill>
-                  <a:schemeClr val="tx2"/>
-                </a:solidFill>
-              </a:defRPr>
-            </a:lvl3pPr>
-            <a:lvl4pPr eaLnBrk="1" hangingPunct="1">
-              <a:defRPr>
-                <a:solidFill>
-                  <a:schemeClr val="tx2"/>
-                </a:solidFill>
-              </a:defRPr>
-            </a:lvl4pPr>
-            <a:lvl5pPr eaLnBrk="1" hangingPunct="1">
-              <a:defRPr>
-                <a:solidFill>
-                  <a:schemeClr val="tx2"/>
-                </a:solidFill>
-              </a:defRPr>
-            </a:lvl5pPr>
-            <a:lvl6pPr eaLnBrk="1" hangingPunct="1">
-              <a:defRPr>
-                <a:solidFill>
-                  <a:schemeClr val="tx2"/>
-                </a:solidFill>
-              </a:defRPr>
-            </a:lvl6pPr>
-            <a:lvl7pPr eaLnBrk="1" hangingPunct="1">
-              <a:defRPr>
-                <a:solidFill>
-                  <a:schemeClr val="tx2"/>
-                </a:solidFill>
-              </a:defRPr>
-            </a:lvl7pPr>
-            <a:lvl8pPr eaLnBrk="1" hangingPunct="1">
-              <a:defRPr>
-                <a:solidFill>
-                  <a:schemeClr val="tx2"/>
-                </a:solidFill>
-              </a:defRPr>
-            </a:lvl8pPr>
-            <a:lvl9pPr eaLnBrk="1" hangingPunct="1">
-              <a:defRPr>
-                <a:solidFill>
-                  <a:schemeClr val="tx2"/>
-                </a:solidFill>
-              </a:defRPr>
-            </a:lvl9pPr>
-          </a:lstStyle>
+          <a:lstStyle/>
           <a:p>
-            <a:pPr>
-              <a:spcAft>
-                <a:spcPts val="600"/>
-              </a:spcAft>
-            </a:pPr>
             <a:r>
               <a:rPr lang="en-US" dirty="0">
                 <a:latin typeface="Bookman Old Style"/>
+                <a:ea typeface="+mj-lt"/>
+                <a:cs typeface="+mj-lt"/>
               </a:rPr>
-              <a:t>Conclusions and future work</a:t>
+              <a:t>X-CUBE-AI</a:t>
             </a:r>
+            <a:endParaRPr lang="en-US" dirty="0">
+              <a:latin typeface="Bookman Old Style"/>
+            </a:endParaRPr>
           </a:p>
         </p:txBody>
       </p:sp>
       <p:sp>
         <p:nvSpPr>
-          <p:cNvPr id="6" name="Content Placeholder 2">
+          <p:cNvPr id="17" name="Rectangle 16">
             <a:extLst>
               <a:ext uri="{FF2B5EF4-FFF2-40B4-BE49-F238E27FC236}">
-                <a16:creationId xmlns:a16="http://schemas.microsoft.com/office/drawing/2014/main" id="{8973D492-50D1-4652-813C-0575201F3943}"/>
+                <a16:creationId xmlns:a16="http://schemas.microsoft.com/office/drawing/2014/main" id="{1C04857D-B1C1-41ED-B1B4-E3D6E3C7C4E6}"/>
+              </a:ext>
+              <a:ext uri="{C183D7F6-B498-43B3-948B-1728B52AA6E4}">
+                <adec:decorative xmlns:adec="http://schemas.microsoft.com/office/drawing/2017/decorative" val="1"/>
               </a:ext>
             </a:extLst>
           </p:cNvPr>
           <p:cNvSpPr>
-            <a:spLocks noGrp="1"/>
+            <a:spLocks noGrp="1" noRot="1" noChangeAspect="1" noMove="1" noResize="1" noEditPoints="1" noAdjustHandles="1" noChangeArrowheads="1" noChangeShapeType="1" noTextEdit="1"/>
           </p:cNvSpPr>
-          <p:nvPr/>
+          <p:nvPr>
+            <p:extLst>
+              <p:ext uri="{386F3935-93C4-4BCD-93E2-E3B085C9AB24}">
+                <p16:designElem xmlns:p16="http://schemas.microsoft.com/office/powerpoint/2015/main" val="1"/>
+              </p:ext>
+            </p:extLst>
+          </p:nvPr>
         </p:nvSpPr>
         <p:spPr>
-          <a:xfrm>
-            <a:off x="698939" y="1603412"/>
-            <a:ext cx="5763216" cy="3649133"/>
+          <a:xfrm rot="16200000">
+            <a:off x="-1797333" y="4261157"/>
+            <a:ext cx="2971800" cy="170837"/>
           </a:xfrm>
           <a:prstGeom prst="rect">
             <a:avLst/>
           </a:prstGeom>
+          <a:solidFill>
+            <a:schemeClr val="accent3">
+              <a:lumMod val="60000"/>
+              <a:lumOff val="40000"/>
+            </a:schemeClr>
+          </a:solidFill>
+          <a:ln>
+            <a:noFill/>
+          </a:ln>
         </p:spPr>
+        <p:style>
+          <a:lnRef idx="2">
+            <a:schemeClr val="accent1">
+              <a:shade val="50000"/>
+            </a:schemeClr>
+          </a:lnRef>
+          <a:fillRef idx="1">
+            <a:schemeClr val="accent1"/>
+          </a:fillRef>
+          <a:effectRef idx="0">
+            <a:schemeClr val="accent1"/>
+          </a:effectRef>
+          <a:fontRef idx="minor">
+            <a:schemeClr val="lt1"/>
+          </a:fontRef>
+        </p:style>
         <p:txBody>
-          <a:bodyPr vert="horz" lIns="91440" tIns="45720" rIns="91440" bIns="45720" rtlCol="0" anchor="ctr">
-            <a:normAutofit fontScale="92500" lnSpcReduction="20000"/>
-          </a:bodyPr>
-          <a:lstStyle>
-            <a:lvl1pPr marL="285750" indent="-285750" algn="l" defTabSz="457200" rtl="0" eaLnBrk="1" latinLnBrk="0" hangingPunct="1">
-              <a:spcBef>
-                <a:spcPts val="0"/>
-              </a:spcBef>
-              <a:spcAft>
-                <a:spcPts val="1000"/>
-              </a:spcAft>
-              <a:buClr>
-                <a:schemeClr val="tx1"/>
-              </a:buClr>
-              <a:buSzPct val="100000"/>
-              <a:buFont typeface="Arial"/>
-              <a:buChar char="•"/>
-              <a:defRPr sz="1800" kern="1200" cap="none">
-                <a:solidFill>
-                  <a:schemeClr val="tx1"/>
-                </a:solidFill>
-                <a:effectLst/>
-                <a:latin typeface="+mn-lt"/>
-                <a:ea typeface="+mn-ea"/>
-                <a:cs typeface="+mn-cs"/>
-              </a:defRPr>
-            </a:lvl1pPr>
-            <a:lvl2pPr marL="742950" indent="-285750" algn="l" defTabSz="457200" rtl="0" eaLnBrk="1" latinLnBrk="0" hangingPunct="1">
-              <a:spcBef>
-                <a:spcPts val="0"/>
-              </a:spcBef>
-              <a:spcAft>
-                <a:spcPts val="1000"/>
-              </a:spcAft>
-              <a:buClr>
-                <a:schemeClr val="tx1"/>
-              </a:buClr>
-              <a:buSzPct val="100000"/>
-              <a:buFont typeface="Arial"/>
-              <a:buChar char="•"/>
-              <a:defRPr sz="1600" kern="1200" cap="none">
-                <a:solidFill>
-                  <a:schemeClr val="tx1"/>
-                </a:solidFill>
-                <a:effectLst/>
-                <a:latin typeface="+mn-lt"/>
-                <a:ea typeface="+mn-ea"/>
-                <a:cs typeface="+mn-cs"/>
-              </a:defRPr>
-            </a:lvl2pPr>
-            <a:lvl3pPr marL="1200150" indent="-285750" algn="l" defTabSz="457200" rtl="0" eaLnBrk="1" latinLnBrk="0" hangingPunct="1">
-              <a:spcBef>
-                <a:spcPts val="0"/>
-              </a:spcBef>
-              <a:spcAft>
-                <a:spcPts val="1000"/>
-              </a:spcAft>
-              <a:buClr>
-                <a:schemeClr val="tx1"/>
-              </a:buClr>
-              <a:buSzPct val="100000"/>
-              <a:buFont typeface="Arial"/>
-              <a:buChar char="•"/>
-              <a:defRPr sz="1400" kern="1200" cap="none">
-                <a:solidFill>
-                  <a:schemeClr val="tx1"/>
-                </a:solidFill>
-                <a:effectLst/>
-                <a:latin typeface="+mn-lt"/>
-                <a:ea typeface="+mn-ea"/>
-                <a:cs typeface="+mn-cs"/>
-              </a:defRPr>
-            </a:lvl3pPr>
-            <a:lvl4pPr marL="1543050" indent="-171450" algn="l" defTabSz="457200" rtl="0" eaLnBrk="1" latinLnBrk="0" hangingPunct="1">
-              <a:spcBef>
-                <a:spcPts val="0"/>
-              </a:spcBef>
-              <a:spcAft>
-                <a:spcPts val="1000"/>
-              </a:spcAft>
-              <a:buClr>
-                <a:schemeClr val="tx1"/>
-              </a:buClr>
-              <a:buSzPct val="100000"/>
-              <a:buFont typeface="Arial"/>
-              <a:buChar char="•"/>
-              <a:defRPr sz="1200" kern="1200" cap="none">
-                <a:solidFill>
-                  <a:schemeClr val="tx1"/>
-                </a:solidFill>
-                <a:effectLst/>
-                <a:latin typeface="+mn-lt"/>
-                <a:ea typeface="+mn-ea"/>
-                <a:cs typeface="+mn-cs"/>
-              </a:defRPr>
-            </a:lvl4pPr>
-            <a:lvl5pPr marL="2000250" indent="-171450" algn="l" defTabSz="457200" rtl="0" eaLnBrk="1" latinLnBrk="0" hangingPunct="1">
-              <a:spcBef>
-                <a:spcPts val="0"/>
-              </a:spcBef>
-              <a:spcAft>
-                <a:spcPts val="1000"/>
-              </a:spcAft>
-              <a:buClr>
-                <a:schemeClr val="tx1"/>
-              </a:buClr>
-              <a:buSzPct val="100000"/>
-              <a:buFont typeface="Arial"/>
-              <a:buChar char="•"/>
-              <a:defRPr sz="1200" kern="1200" cap="none">
-                <a:solidFill>
-                  <a:schemeClr val="tx1"/>
-                </a:solidFill>
-                <a:effectLst/>
-                <a:latin typeface="+mn-lt"/>
-                <a:ea typeface="+mn-ea"/>
-                <a:cs typeface="+mn-cs"/>
-              </a:defRPr>
-            </a:lvl5pPr>
-            <a:lvl6pPr marL="2514600" indent="-228600" algn="l" defTabSz="457200" rtl="0" eaLnBrk="1" latinLnBrk="0" hangingPunct="1">
-              <a:spcBef>
-                <a:spcPts val="0"/>
-              </a:spcBef>
-              <a:spcAft>
-                <a:spcPts val="1000"/>
-              </a:spcAft>
-              <a:buClr>
-                <a:schemeClr val="tx1"/>
-              </a:buClr>
-              <a:buSzPct val="100000"/>
-              <a:buFont typeface="Arial"/>
-              <a:buChar char="•"/>
-              <a:defRPr sz="1200" kern="1200" cap="none">
-                <a:solidFill>
-                  <a:schemeClr val="tx1"/>
-                </a:solidFill>
-                <a:effectLst/>
-                <a:latin typeface="+mn-lt"/>
-                <a:ea typeface="+mn-ea"/>
-                <a:cs typeface="+mn-cs"/>
-              </a:defRPr>
-            </a:lvl6pPr>
-            <a:lvl7pPr marL="2971800" indent="-228600" algn="l" defTabSz="457200" rtl="0" eaLnBrk="1" latinLnBrk="0" hangingPunct="1">
-              <a:spcBef>
-                <a:spcPts val="0"/>
-              </a:spcBef>
-              <a:spcAft>
-                <a:spcPts val="1000"/>
-              </a:spcAft>
-              <a:buClr>
-                <a:schemeClr val="tx1"/>
-              </a:buClr>
-              <a:buSzPct val="100000"/>
-              <a:buFont typeface="Arial"/>
-              <a:buChar char="•"/>
-              <a:defRPr sz="1200" kern="1200" cap="none">
-                <a:solidFill>
-                  <a:schemeClr val="tx1"/>
-                </a:solidFill>
-                <a:effectLst/>
-                <a:latin typeface="+mn-lt"/>
-                <a:ea typeface="+mn-ea"/>
-                <a:cs typeface="+mn-cs"/>
-              </a:defRPr>
-            </a:lvl7pPr>
-            <a:lvl8pPr marL="3429000" indent="-228600" algn="l" defTabSz="457200" rtl="0" eaLnBrk="1" latinLnBrk="0" hangingPunct="1">
-              <a:spcBef>
-                <a:spcPts val="0"/>
-              </a:spcBef>
-              <a:spcAft>
-                <a:spcPts val="1000"/>
-              </a:spcAft>
-              <a:buClr>
-                <a:schemeClr val="tx1"/>
-              </a:buClr>
-              <a:buSzPct val="100000"/>
-              <a:buFont typeface="Arial"/>
-              <a:buChar char="•"/>
-              <a:defRPr sz="1200" kern="1200" cap="none">
-                <a:solidFill>
-                  <a:schemeClr val="tx1"/>
-                </a:solidFill>
-                <a:effectLst/>
-                <a:latin typeface="+mn-lt"/>
-                <a:ea typeface="+mn-ea"/>
-                <a:cs typeface="+mn-cs"/>
-              </a:defRPr>
-            </a:lvl8pPr>
-            <a:lvl9pPr marL="3886200" indent="-228600" algn="l" defTabSz="457200" rtl="0" eaLnBrk="1" latinLnBrk="0" hangingPunct="1">
-              <a:spcBef>
-                <a:spcPts val="0"/>
-              </a:spcBef>
-              <a:spcAft>
-                <a:spcPts val="1000"/>
-              </a:spcAft>
-              <a:buClr>
-                <a:schemeClr val="tx1"/>
-              </a:buClr>
-              <a:buSzPct val="100000"/>
-              <a:buFont typeface="Arial"/>
-              <a:buChar char="•"/>
-              <a:defRPr sz="1200" kern="1200" cap="none">
-                <a:solidFill>
-                  <a:schemeClr val="tx1"/>
-                </a:solidFill>
-                <a:effectLst/>
-                <a:latin typeface="+mn-lt"/>
-                <a:ea typeface="+mn-ea"/>
-                <a:cs typeface="+mn-cs"/>
-              </a:defRPr>
-            </a:lvl9pPr>
-          </a:lstStyle>
+          <a:bodyPr rtlCol="0" anchor="ctr"/>
+          <a:lstStyle/>
           <a:p>
-            <a:r>
-              <a:rPr lang="en-US" dirty="0">
-                <a:latin typeface="Bookman Old Style"/>
-                <a:cs typeface="Calibri"/>
-              </a:rPr>
-              <a:t>Nowadays it is possible to develop good performance deep learning models on the edge (mist) devices.</a:t>
-            </a:r>
-          </a:p>
-          <a:p>
-            <a:pPr>
-              <a:buClr>
-                <a:srgbClr val="FFFFFF"/>
-              </a:buClr>
-            </a:pPr>
-            <a:r>
-              <a:rPr lang="en-US" dirty="0">
-                <a:latin typeface="Bookman Old Style"/>
-                <a:cs typeface="Calibri"/>
-              </a:rPr>
-              <a:t>STM32 latest microcontrollers allow to run deep learning models in inference phase.</a:t>
-            </a:r>
-          </a:p>
-          <a:p>
-            <a:pPr>
-              <a:buClr>
-                <a:srgbClr val="FFFFFF"/>
-              </a:buClr>
-            </a:pPr>
-            <a:r>
-              <a:rPr lang="en-US" dirty="0">
-                <a:latin typeface="Bookman Old Style"/>
-                <a:cs typeface="Calibri"/>
-              </a:rPr>
-              <a:t>It is necessary to conduct the research in 'deep learning on the edge':</a:t>
-            </a:r>
-          </a:p>
-          <a:p>
-            <a:pPr lvl="1">
-              <a:buClr>
-                <a:srgbClr val="FFFFFF"/>
-              </a:buClr>
-            </a:pPr>
-            <a:r>
-              <a:rPr lang="en-US" sz="1800" dirty="0">
-                <a:latin typeface="Bookman Old Style"/>
-                <a:cs typeface="Calibri"/>
-              </a:rPr>
-              <a:t>Transformer's optimization;</a:t>
-            </a:r>
-          </a:p>
-          <a:p>
-            <a:pPr lvl="1">
-              <a:buClr>
-                <a:srgbClr val="FFFFFF"/>
-              </a:buClr>
-            </a:pPr>
-            <a:r>
-              <a:rPr lang="en-US" sz="1800" dirty="0">
-                <a:latin typeface="Bookman Old Style"/>
-                <a:cs typeface="Calibri"/>
-              </a:rPr>
-              <a:t>Swarm AI;</a:t>
-            </a:r>
-          </a:p>
-          <a:p>
-            <a:pPr lvl="1">
-              <a:buClr>
-                <a:srgbClr val="FFFFFF"/>
-              </a:buClr>
-            </a:pPr>
-            <a:r>
-              <a:rPr lang="en-US" sz="1800" dirty="0">
-                <a:latin typeface="Bookman Old Style"/>
-                <a:cs typeface="Calibri"/>
-              </a:rPr>
-              <a:t>Reinforcement learning;</a:t>
-            </a:r>
-          </a:p>
-          <a:p>
-            <a:pPr lvl="1">
-              <a:buClr>
-                <a:srgbClr val="FFFFFF"/>
-              </a:buClr>
-            </a:pPr>
-            <a:r>
-              <a:rPr lang="en-US" sz="1800" dirty="0">
-                <a:latin typeface="Bookman Old Style"/>
-                <a:cs typeface="Calibri"/>
-              </a:rPr>
-              <a:t>Nature inspired metaheuristics;</a:t>
-            </a:r>
-          </a:p>
-          <a:p>
-            <a:pPr lvl="1">
-              <a:buClr>
-                <a:srgbClr val="FFFFFF"/>
-              </a:buClr>
-            </a:pPr>
-            <a:r>
-              <a:rPr lang="en-US" sz="1800" dirty="0">
-                <a:latin typeface="Bookman Old Style"/>
-                <a:cs typeface="Calibri"/>
-              </a:rPr>
-              <a:t>Edge parallel computing.</a:t>
-            </a:r>
+            <a:pPr algn="ctr"/>
+            <a:endParaRPr lang="en-US"/>
           </a:p>
         </p:txBody>
       </p:sp>
       <p:sp>
         <p:nvSpPr>
-          <p:cNvPr id="4" name="TextBox 1">
+          <p:cNvPr id="19" name="Rounded Rectangle 32">
             <a:extLst>
               <a:ext uri="{FF2B5EF4-FFF2-40B4-BE49-F238E27FC236}">
-                <a16:creationId xmlns:a16="http://schemas.microsoft.com/office/drawing/2014/main" id="{246634F3-3E05-463A-AD30-33916C2122B0}"/>
+                <a16:creationId xmlns:a16="http://schemas.microsoft.com/office/drawing/2014/main" id="{E5A9FA1E-7A9B-4CDA-91BB-87575F63E28F}"/>
+              </a:ext>
+              <a:ext uri="{C183D7F6-B498-43B3-948B-1728B52AA6E4}">
+                <adec:decorative xmlns:adec="http://schemas.microsoft.com/office/drawing/2017/decorative" val="1"/>
+              </a:ext>
+            </a:extLst>
+          </p:cNvPr>
+          <p:cNvSpPr>
+            <a:spLocks noGrp="1" noRot="1" noChangeAspect="1" noMove="1" noResize="1" noEditPoints="1" noAdjustHandles="1" noChangeArrowheads="1" noChangeShapeType="1" noTextEdit="1"/>
+          </p:cNvSpPr>
+          <p:nvPr>
+            <p:extLst>
+              <p:ext uri="{386F3935-93C4-4BCD-93E2-E3B085C9AB24}">
+                <p16:designElem xmlns:p16="http://schemas.microsoft.com/office/powerpoint/2015/main" val="1"/>
+              </p:ext>
+            </p:extLst>
+          </p:nvPr>
+        </p:nvSpPr>
+        <p:spPr>
+          <a:xfrm>
+            <a:off x="6082585" y="639097"/>
+            <a:ext cx="5433751" cy="5575438"/>
+          </a:xfrm>
+          <a:prstGeom prst="roundRect">
+            <a:avLst>
+              <a:gd name="adj" fmla="val 3449"/>
+            </a:avLst>
+          </a:prstGeom>
+          <a:solidFill>
+            <a:schemeClr val="tx1"/>
+          </a:solidFill>
+          <a:ln w="50800" cap="sq" cmpd="dbl">
+            <a:gradFill flip="none" rotWithShape="1">
+              <a:gsLst>
+                <a:gs pos="0">
+                  <a:srgbClr val="FFFFFF"/>
+                </a:gs>
+                <a:gs pos="100000">
+                  <a:schemeClr val="tx1">
+                    <a:alpha val="0"/>
+                  </a:schemeClr>
+                </a:gs>
+              </a:gsLst>
+              <a:path path="circle">
+                <a:fillToRect l="50000" t="50000" r="50000" b="50000"/>
+              </a:path>
+              <a:tileRect/>
+            </a:gradFill>
+            <a:miter lim="800000"/>
+          </a:ln>
+          <a:effectLst>
+            <a:outerShdw blurRad="254000" algn="tl" rotWithShape="0">
+              <a:srgbClr val="000000">
+                <a:alpha val="43000"/>
+              </a:srgbClr>
+            </a:outerShdw>
+          </a:effectLst>
+        </p:spPr>
+        <p:style>
+          <a:lnRef idx="2">
+            <a:schemeClr val="accent1">
+              <a:shade val="50000"/>
+            </a:schemeClr>
+          </a:lnRef>
+          <a:fillRef idx="1">
+            <a:schemeClr val="accent1"/>
+          </a:fillRef>
+          <a:effectRef idx="0">
+            <a:schemeClr val="accent1"/>
+          </a:effectRef>
+          <a:fontRef idx="minor">
+            <a:schemeClr val="lt1"/>
+          </a:fontRef>
+        </p:style>
+        <p:txBody>
+          <a:bodyPr rtlCol="0" anchor="ctr"/>
+          <a:lstStyle/>
+          <a:p>
+            <a:pPr algn="ctr"/>
+            <a:endParaRPr lang="en-US"/>
+          </a:p>
+        </p:txBody>
+      </p:sp>
+      <p:pic>
+        <p:nvPicPr>
+          <p:cNvPr id="7" name="Picture 7">
+            <a:extLst>
+              <a:ext uri="{FF2B5EF4-FFF2-40B4-BE49-F238E27FC236}">
+                <a16:creationId xmlns:a16="http://schemas.microsoft.com/office/drawing/2014/main" id="{0D8E282D-100B-4BE7-A5CC-30E3DCD5E335}"/>
+              </a:ext>
+            </a:extLst>
+          </p:cNvPr>
+          <p:cNvPicPr>
+            <a:picLocks noChangeAspect="1"/>
+          </p:cNvPicPr>
+          <p:nvPr/>
+        </p:nvPicPr>
+        <p:blipFill>
+          <a:blip r:embed="rId3"/>
+          <a:stretch>
+            <a:fillRect/>
+          </a:stretch>
+        </p:blipFill>
+        <p:spPr>
+          <a:xfrm>
+            <a:off x="7476865" y="733077"/>
+            <a:ext cx="2636590" cy="2636590"/>
+          </a:xfrm>
+          <a:prstGeom prst="roundRect">
+            <a:avLst>
+              <a:gd name="adj" fmla="val 4207"/>
+            </a:avLst>
+          </a:prstGeom>
+          <a:ln w="50800" cap="sq" cmpd="dbl">
+            <a:noFill/>
+            <a:miter lim="800000"/>
+          </a:ln>
+          <a:effectLst/>
+        </p:spPr>
+      </p:pic>
+      <p:pic>
+        <p:nvPicPr>
+          <p:cNvPr id="10" name="Picture 10">
+            <a:extLst>
+              <a:ext uri="{FF2B5EF4-FFF2-40B4-BE49-F238E27FC236}">
+                <a16:creationId xmlns:a16="http://schemas.microsoft.com/office/drawing/2014/main" id="{08562BBF-00E4-47AC-B2ED-F7FCE7A78EB2}"/>
+              </a:ext>
+            </a:extLst>
+          </p:cNvPr>
+          <p:cNvPicPr>
+            <a:picLocks noChangeAspect="1"/>
+          </p:cNvPicPr>
+          <p:nvPr/>
+        </p:nvPicPr>
+        <p:blipFill>
+          <a:blip r:embed="rId4"/>
+          <a:stretch>
+            <a:fillRect/>
+          </a:stretch>
+        </p:blipFill>
+        <p:spPr>
+          <a:xfrm>
+            <a:off x="6175192" y="3623276"/>
+            <a:ext cx="5239935" cy="2357970"/>
+          </a:xfrm>
+          <a:prstGeom prst="roundRect">
+            <a:avLst>
+              <a:gd name="adj" fmla="val 4528"/>
+            </a:avLst>
+          </a:prstGeom>
+          <a:ln w="50800" cap="sq" cmpd="dbl">
+            <a:noFill/>
+            <a:miter lim="800000"/>
+          </a:ln>
+          <a:effectLst/>
+        </p:spPr>
+      </p:pic>
+      <p:sp>
+        <p:nvSpPr>
+          <p:cNvPr id="3" name="TextBox 2">
+            <a:extLst>
+              <a:ext uri="{FF2B5EF4-FFF2-40B4-BE49-F238E27FC236}">
+                <a16:creationId xmlns:a16="http://schemas.microsoft.com/office/drawing/2014/main" id="{1C1D2F59-649C-4930-8DF4-64D45B8C24AF}"/>
               </a:ext>
             </a:extLst>
           </p:cNvPr>
@@ -15111,8 +15468,8 @@
         </p:nvSpPr>
         <p:spPr>
           <a:xfrm>
-            <a:off x="7869560" y="1606432"/>
-            <a:ext cx="2743200" cy="4308872"/>
+            <a:off x="694062" y="1501966"/>
+            <a:ext cx="4946573" cy="4616648"/>
           </a:xfrm>
           <a:prstGeom prst="rect">
             <a:avLst/>
@@ -15120,184 +15477,204 @@
           <a:noFill/>
         </p:spPr>
         <p:txBody>
-          <a:bodyPr rot="0" spcFirstLastPara="0" vert="horz" wrap="square" lIns="91440" tIns="45720" rIns="91440" bIns="45720" numCol="1" spcCol="0" rtlCol="0" fromWordArt="0" anchor="t" anchorCtr="0" forceAA="0" compatLnSpc="1">
+          <a:bodyPr rot="0" spcFirstLastPara="0" vertOverflow="overflow" horzOverflow="overflow" vert="horz" wrap="square" lIns="91440" tIns="45720" rIns="91440" bIns="45720" numCol="1" spcCol="0" rtlCol="0" fromWordArt="0" anchor="t" anchorCtr="0" forceAA="0" compatLnSpc="1">
             <a:prstTxWarp prst="textNoShape">
               <a:avLst/>
             </a:prstTxWarp>
             <a:spAutoFit/>
           </a:bodyPr>
-          <a:lstStyle>
-            <a:defPPr>
-              <a:defRPr lang="en-US"/>
-            </a:defPPr>
-            <a:lvl1pPr marL="0" algn="l" defTabSz="457200" rtl="0" eaLnBrk="1" latinLnBrk="0" hangingPunct="1">
-              <a:defRPr sz="1800" kern="1200">
-                <a:solidFill>
-                  <a:schemeClr val="tx1"/>
-                </a:solidFill>
-                <a:latin typeface="+mn-lt"/>
-                <a:ea typeface="+mn-ea"/>
-                <a:cs typeface="+mn-cs"/>
-              </a:defRPr>
-            </a:lvl1pPr>
-            <a:lvl2pPr marL="457200" algn="l" defTabSz="457200" rtl="0" eaLnBrk="1" latinLnBrk="0" hangingPunct="1">
-              <a:defRPr sz="1800" kern="1200">
-                <a:solidFill>
-                  <a:schemeClr val="tx1"/>
-                </a:solidFill>
-                <a:latin typeface="+mn-lt"/>
-                <a:ea typeface="+mn-ea"/>
-                <a:cs typeface="+mn-cs"/>
-              </a:defRPr>
-            </a:lvl2pPr>
-            <a:lvl3pPr marL="914400" algn="l" defTabSz="457200" rtl="0" eaLnBrk="1" latinLnBrk="0" hangingPunct="1">
-              <a:defRPr sz="1800" kern="1200">
-                <a:solidFill>
-                  <a:schemeClr val="tx1"/>
-                </a:solidFill>
-                <a:latin typeface="+mn-lt"/>
-                <a:ea typeface="+mn-ea"/>
-                <a:cs typeface="+mn-cs"/>
-              </a:defRPr>
-            </a:lvl3pPr>
-            <a:lvl4pPr marL="1371600" algn="l" defTabSz="457200" rtl="0" eaLnBrk="1" latinLnBrk="0" hangingPunct="1">
-              <a:defRPr sz="1800" kern="1200">
-                <a:solidFill>
-                  <a:schemeClr val="tx1"/>
-                </a:solidFill>
-                <a:latin typeface="+mn-lt"/>
-                <a:ea typeface="+mn-ea"/>
-                <a:cs typeface="+mn-cs"/>
-              </a:defRPr>
-            </a:lvl4pPr>
-            <a:lvl5pPr marL="1828800" algn="l" defTabSz="457200" rtl="0" eaLnBrk="1" latinLnBrk="0" hangingPunct="1">
-              <a:defRPr sz="1800" kern="1200">
-                <a:solidFill>
-                  <a:schemeClr val="tx1"/>
-                </a:solidFill>
-                <a:latin typeface="+mn-lt"/>
-                <a:ea typeface="+mn-ea"/>
-                <a:cs typeface="+mn-cs"/>
-              </a:defRPr>
-            </a:lvl5pPr>
-            <a:lvl6pPr marL="2286000" algn="l" defTabSz="457200" rtl="0" eaLnBrk="1" latinLnBrk="0" hangingPunct="1">
-              <a:defRPr sz="1800" kern="1200">
-                <a:solidFill>
-                  <a:schemeClr val="tx1"/>
-                </a:solidFill>
-                <a:latin typeface="+mn-lt"/>
-                <a:ea typeface="+mn-ea"/>
-                <a:cs typeface="+mn-cs"/>
-              </a:defRPr>
-            </a:lvl6pPr>
-            <a:lvl7pPr marL="2743200" algn="l" defTabSz="457200" rtl="0" eaLnBrk="1" latinLnBrk="0" hangingPunct="1">
-              <a:defRPr sz="1800" kern="1200">
-                <a:solidFill>
-                  <a:schemeClr val="tx1"/>
-                </a:solidFill>
-                <a:latin typeface="+mn-lt"/>
-                <a:ea typeface="+mn-ea"/>
-                <a:cs typeface="+mn-cs"/>
-              </a:defRPr>
-            </a:lvl7pPr>
-            <a:lvl8pPr marL="3200400" algn="l" defTabSz="457200" rtl="0" eaLnBrk="1" latinLnBrk="0" hangingPunct="1">
-              <a:defRPr sz="1800" kern="1200">
-                <a:solidFill>
-                  <a:schemeClr val="tx1"/>
-                </a:solidFill>
-                <a:latin typeface="+mn-lt"/>
-                <a:ea typeface="+mn-ea"/>
-                <a:cs typeface="+mn-cs"/>
-              </a:defRPr>
-            </a:lvl8pPr>
-            <a:lvl9pPr marL="3657600" algn="l" defTabSz="457200" rtl="0" eaLnBrk="1" latinLnBrk="0" hangingPunct="1">
-              <a:defRPr sz="1800" kern="1200">
-                <a:solidFill>
-                  <a:schemeClr val="tx1"/>
-                </a:solidFill>
-                <a:latin typeface="+mn-lt"/>
-                <a:ea typeface="+mn-ea"/>
-                <a:cs typeface="+mn-cs"/>
-              </a:defRPr>
-            </a:lvl9pPr>
-          </a:lstStyle>
+          <a:lstStyle/>
           <a:p>
+            <a:pPr algn="just">
+              <a:buChar char="•"/>
+            </a:pPr>
             <a:r>
-              <a:rPr lang="en-US" dirty="0">
+              <a:rPr lang="en-US" sz="1400" dirty="0">
                 <a:latin typeface="Bookman Old Style"/>
-                <a:cs typeface="Calibri"/>
               </a:rPr>
-              <a:t>TO DO:</a:t>
+              <a:t>Generation of an STM32-optimized library from pre-trained Neural Network models. </a:t>
             </a:r>
-          </a:p>
-          <a:p>
-            <a:endParaRPr lang="en-US" sz="1700" dirty="0">
+            <a:endParaRPr lang="en-US" sz="1400">
               <a:latin typeface="Bookman Old Style"/>
               <a:cs typeface="Calibri"/>
             </a:endParaRPr>
           </a:p>
           <a:p>
-            <a:pPr marL="285750" indent="-285750">
-              <a:buFont typeface="Arial"/>
+            <a:pPr algn="just"/>
+            <a:endParaRPr lang="en-US" sz="1400" dirty="0">
+              <a:latin typeface="Bookman Old Style"/>
+            </a:endParaRPr>
+          </a:p>
+          <a:p>
+            <a:pPr algn="just">
               <a:buChar char="•"/>
             </a:pPr>
             <a:r>
-              <a:rPr lang="en-US" sz="1700">
+              <a:rPr lang="en-US" sz="1400" dirty="0">
                 <a:latin typeface="Bookman Old Style"/>
-                <a:cs typeface="Calibri"/>
               </a:rPr>
-              <a:t>Implement different models and compare them.</a:t>
+              <a:t>Native support of various Deep Learning frameworks such as </a:t>
             </a:r>
-            <a:endParaRPr lang="en-US" sz="1700" dirty="0">
+            <a:r>
+              <a:rPr lang="en-US" sz="1400" dirty="0" err="1">
+                <a:latin typeface="Bookman Old Style"/>
+              </a:rPr>
+              <a:t>Keras</a:t>
+            </a:r>
+            <a:r>
+              <a:rPr lang="en-US" sz="1400" dirty="0">
+                <a:latin typeface="Bookman Old Style"/>
+              </a:rPr>
+              <a:t>, TensorFlow Lite, Caffe, </a:t>
+            </a:r>
+            <a:r>
+              <a:rPr lang="en-US" sz="1400" dirty="0" err="1">
+                <a:latin typeface="Bookman Old Style"/>
+              </a:rPr>
+              <a:t>ConvNetJs</a:t>
+            </a:r>
+            <a:r>
+              <a:rPr lang="en-US" sz="1400" dirty="0">
+                <a:latin typeface="Bookman Old Style"/>
+              </a:rPr>
+              <a:t> and </a:t>
+            </a:r>
+            <a:r>
+              <a:rPr lang="en-US" sz="1400" dirty="0" err="1">
+                <a:latin typeface="Bookman Old Style"/>
+              </a:rPr>
+              <a:t>Lasagne</a:t>
+            </a:r>
+            <a:r>
+              <a:rPr lang="en-US" sz="1400" dirty="0">
+                <a:latin typeface="Bookman Old Style"/>
+              </a:rPr>
+              <a:t>, and </a:t>
+            </a:r>
+            <a:r>
+              <a:rPr lang="en-US" sz="1400" dirty="0" err="1">
+                <a:latin typeface="Bookman Old Style"/>
+              </a:rPr>
+              <a:t>suppport</a:t>
+            </a:r>
+            <a:r>
+              <a:rPr lang="en-US" sz="1400" dirty="0">
+                <a:latin typeface="Bookman Old Style"/>
+              </a:rPr>
+              <a:t> of all frameworks that can export to the ONNX standard format such as </a:t>
+            </a:r>
+            <a:r>
+              <a:rPr lang="en-US" sz="1400" dirty="0" err="1">
+                <a:latin typeface="Bookman Old Style"/>
+              </a:rPr>
+              <a:t>PyTorch</a:t>
+            </a:r>
+            <a:r>
+              <a:rPr lang="en-US" sz="1400" dirty="0">
+                <a:latin typeface="Bookman Old Style"/>
+              </a:rPr>
+              <a:t>, Microsoft Cognitive Toolkit, MATLAB and more. </a:t>
+            </a:r>
+            <a:endParaRPr lang="en-US" sz="1400">
               <a:latin typeface="Bookman Old Style"/>
               <a:cs typeface="Calibri"/>
             </a:endParaRPr>
           </a:p>
           <a:p>
-            <a:endParaRPr lang="en-US" sz="1700" dirty="0">
+            <a:pPr algn="just"/>
+            <a:endParaRPr lang="en-US" sz="1400" dirty="0">
+              <a:latin typeface="Bookman Old Style"/>
+            </a:endParaRPr>
+          </a:p>
+          <a:p>
+            <a:pPr algn="just">
+              <a:buChar char="•"/>
+            </a:pPr>
+            <a:r>
+              <a:rPr lang="en-US" sz="1400" dirty="0">
+                <a:latin typeface="Bookman Old Style"/>
+              </a:rPr>
+              <a:t>Supports 8-bit quantization of </a:t>
+            </a:r>
+            <a:r>
+              <a:rPr lang="en-US" sz="1400" dirty="0" err="1">
+                <a:latin typeface="Bookman Old Style"/>
+              </a:rPr>
+              <a:t>Keras</a:t>
+            </a:r>
+            <a:r>
+              <a:rPr lang="en-US" sz="1400" dirty="0">
+                <a:latin typeface="Bookman Old Style"/>
+              </a:rPr>
+              <a:t> networks and TensorFlow™ Lite quantized networks. </a:t>
+            </a:r>
+            <a:endParaRPr lang="en-US" sz="1400">
               <a:latin typeface="Bookman Old Style"/>
               <a:cs typeface="Calibri"/>
             </a:endParaRPr>
           </a:p>
           <a:p>
-            <a:pPr marL="285750" indent="-285750">
-              <a:buFont typeface="Arial"/>
+            <a:pPr algn="just"/>
+            <a:endParaRPr lang="en-US" sz="1400" dirty="0">
+              <a:latin typeface="Bookman Old Style"/>
+            </a:endParaRPr>
+          </a:p>
+          <a:p>
+            <a:pPr algn="just">
               <a:buChar char="•"/>
             </a:pPr>
             <a:r>
-              <a:rPr lang="en-US" sz="1700" dirty="0">
+              <a:rPr lang="en-US" sz="1400" dirty="0">
                 <a:latin typeface="Bookman Old Style"/>
-                <a:cs typeface="Calibri"/>
               </a:rPr>
-              <a:t>Investigate hyperparameters optimization via swarm approaches.</a:t>
+              <a:t>Allows the use of larger networks by storing weights in external Flash memory and activation buffers in external RAM.</a:t>
             </a:r>
+            <a:endParaRPr lang="en-US" sz="1400">
+              <a:latin typeface="Bookman Old Style"/>
+              <a:cs typeface="Calibri" panose="020F0502020204030204"/>
+            </a:endParaRPr>
           </a:p>
           <a:p>
-            <a:endParaRPr lang="en-US" sz="1700" dirty="0">
+            <a:pPr algn="just"/>
+            <a:endParaRPr lang="en-US" sz="1400" dirty="0">
+              <a:latin typeface="Bookman Old Style"/>
+            </a:endParaRPr>
+          </a:p>
+          <a:p>
+            <a:pPr algn="just">
+              <a:buChar char="•"/>
+            </a:pPr>
+            <a:r>
+              <a:rPr lang="en-US" sz="1400" dirty="0">
+                <a:latin typeface="Bookman Old Style"/>
+              </a:rPr>
+              <a:t>Easy portability across different STM32 microcontroller series through STM32Cube integration. </a:t>
+            </a:r>
+            <a:endParaRPr lang="en-US" sz="1400">
               <a:latin typeface="Bookman Old Style"/>
               <a:cs typeface="Calibri"/>
             </a:endParaRPr>
           </a:p>
           <a:p>
-            <a:pPr marL="285750" indent="-285750">
-              <a:buFont typeface="Arial"/>
+            <a:pPr algn="just">
+              <a:buChar char="•"/>
+            </a:pPr>
+            <a:endParaRPr lang="en-US" sz="1400" dirty="0">
+              <a:latin typeface="Bookman Old Style"/>
+            </a:endParaRPr>
+          </a:p>
+          <a:p>
+            <a:pPr algn="just">
               <a:buChar char="•"/>
             </a:pPr>
             <a:r>
-              <a:rPr lang="en-US" sz="1700" dirty="0">
+              <a:rPr lang="en-US" sz="1400" dirty="0">
                 <a:latin typeface="Bookman Old Style"/>
-                <a:cs typeface="Calibri"/>
               </a:rPr>
-              <a:t>Enhance model logic: anomaly detection, PID controller prediction etc. </a:t>
+              <a:t>Free, user-friendly license terms. </a:t>
             </a:r>
-          </a:p>
-          <a:p>
-            <a:pPr marL="285750" indent="-285750">
-              <a:buFont typeface="Arial"/>
-              <a:buChar char="•"/>
-            </a:pPr>
-            <a:endParaRPr lang="en-US" dirty="0">
-              <a:cs typeface="Calibri"/>
+            <a:endParaRPr lang="en-US">
+              <a:cs typeface="Calibri" panose="020F0502020204030204"/>
             </a:endParaRPr>
           </a:p>
         </p:txBody>
@@ -15305,7 +15682,7 @@
     </p:spTree>
     <p:extLst>
       <p:ext uri="{BB962C8B-B14F-4D97-AF65-F5344CB8AC3E}">
-        <p14:creationId xmlns:p14="http://schemas.microsoft.com/office/powerpoint/2010/main" val="2607097905"/>
+        <p14:creationId xmlns:p14="http://schemas.microsoft.com/office/powerpoint/2010/main" val="2208339239"/>
       </p:ext>
     </p:extLst>
   </p:cSld>
@@ -15315,7 +15692,7 @@
 </p:sld>
 </file>
 
-<file path=ppt/slides/slide17.xml><?xml version="1.0" encoding="utf-8"?>
+<file path=ppt/slides/slide18.xml><?xml version="1.0" encoding="utf-8"?>
 <p:sld xmlns:a="http://schemas.openxmlformats.org/drawingml/2006/main" xmlns:r="http://schemas.openxmlformats.org/officeDocument/2006/relationships" xmlns:p="http://schemas.openxmlformats.org/presentationml/2006/main">
   <p:cSld>
     <p:spTree>
@@ -15334,232 +15711,213 @@
       </p:grpSpPr>
       <p:sp>
         <p:nvSpPr>
-          <p:cNvPr id="3" name="Title 1">
+          <p:cNvPr id="2" name="Title 1">
             <a:extLst>
               <a:ext uri="{FF2B5EF4-FFF2-40B4-BE49-F238E27FC236}">
-                <a16:creationId xmlns:a16="http://schemas.microsoft.com/office/drawing/2014/main" id="{2E3A356B-39D1-4C5F-8364-0DE4C29A2AF4}"/>
+                <a16:creationId xmlns:a16="http://schemas.microsoft.com/office/drawing/2014/main" id="{F3498BFB-0243-47B9-B220-18728BCA697A}"/>
               </a:ext>
             </a:extLst>
           </p:cNvPr>
-          <p:cNvSpPr txBox="1">
-            <a:spLocks/>
+          <p:cNvSpPr>
+            <a:spLocks noGrp="1"/>
           </p:cNvSpPr>
-          <p:nvPr/>
+          <p:nvPr>
+            <p:ph type="title"/>
+          </p:nvPr>
         </p:nvSpPr>
         <p:spPr>
           <a:xfrm>
-            <a:off x="827568" y="2443717"/>
-            <a:ext cx="11132657" cy="1456267"/>
+            <a:off x="250372" y="119743"/>
+            <a:ext cx="10131425" cy="1007232"/>
           </a:xfrm>
-          <a:prstGeom prst="rect">
-            <a:avLst/>
-          </a:prstGeom>
         </p:spPr>
         <p:txBody>
-          <a:bodyPr lIns="91440" tIns="45720" rIns="91440" bIns="45720" anchor="t"/>
-          <a:lstStyle>
-            <a:lvl1pPr algn="l" defTabSz="457200" rtl="0" eaLnBrk="1" latinLnBrk="0" hangingPunct="1">
-              <a:spcBef>
-                <a:spcPct val="0"/>
-              </a:spcBef>
-              <a:buNone/>
-              <a:defRPr sz="3600" kern="1200" cap="all">
-                <a:ln w="3175" cmpd="sng">
-                  <a:noFill/>
-                </a:ln>
-                <a:solidFill>
-                  <a:schemeClr val="tx1"/>
-                </a:solidFill>
-                <a:effectLst/>
-                <a:latin typeface="+mj-lt"/>
-                <a:ea typeface="+mj-ea"/>
-                <a:cs typeface="+mj-cs"/>
-              </a:defRPr>
-            </a:lvl1pPr>
-            <a:lvl2pPr eaLnBrk="1" hangingPunct="1">
-              <a:defRPr>
-                <a:solidFill>
-                  <a:schemeClr val="tx2"/>
-                </a:solidFill>
-              </a:defRPr>
-            </a:lvl2pPr>
-            <a:lvl3pPr eaLnBrk="1" hangingPunct="1">
-              <a:defRPr>
-                <a:solidFill>
-                  <a:schemeClr val="tx2"/>
-                </a:solidFill>
-              </a:defRPr>
-            </a:lvl3pPr>
-            <a:lvl4pPr eaLnBrk="1" hangingPunct="1">
-              <a:defRPr>
-                <a:solidFill>
-                  <a:schemeClr val="tx2"/>
-                </a:solidFill>
-              </a:defRPr>
-            </a:lvl4pPr>
-            <a:lvl5pPr eaLnBrk="1" hangingPunct="1">
-              <a:defRPr>
-                <a:solidFill>
-                  <a:schemeClr val="tx2"/>
-                </a:solidFill>
-              </a:defRPr>
-            </a:lvl5pPr>
-            <a:lvl6pPr eaLnBrk="1" hangingPunct="1">
-              <a:defRPr>
-                <a:solidFill>
-                  <a:schemeClr val="tx2"/>
-                </a:solidFill>
-              </a:defRPr>
-            </a:lvl6pPr>
-            <a:lvl7pPr eaLnBrk="1" hangingPunct="1">
-              <a:defRPr>
-                <a:solidFill>
-                  <a:schemeClr val="tx2"/>
-                </a:solidFill>
-              </a:defRPr>
-            </a:lvl7pPr>
-            <a:lvl8pPr eaLnBrk="1" hangingPunct="1">
-              <a:defRPr>
-                <a:solidFill>
-                  <a:schemeClr val="tx2"/>
-                </a:solidFill>
-              </a:defRPr>
-            </a:lvl8pPr>
-            <a:lvl9pPr eaLnBrk="1" hangingPunct="1">
-              <a:defRPr>
-                <a:solidFill>
-                  <a:schemeClr val="tx2"/>
-                </a:solidFill>
-              </a:defRPr>
-            </a:lvl9pPr>
-          </a:lstStyle>
+          <a:bodyPr/>
+          <a:lstStyle/>
           <a:p>
             <a:r>
-              <a:rPr lang="en-US" sz="5400" dirty="0">
-                <a:latin typeface="Bookman Old Style"/>
-                <a:cs typeface="Calibri Light"/>
+              <a:rPr lang="en-US" dirty="0">
+                <a:ea typeface="+mj-lt"/>
+                <a:cs typeface="+mj-lt"/>
               </a:rPr>
-              <a:t>Thank you for attention!</a:t>
+              <a:t>X-CUBE-AI core engine</a:t>
             </a:r>
+            <a:endParaRPr lang="en-US" dirty="0"/>
           </a:p>
         </p:txBody>
       </p:sp>
-      <p:sp>
-        <p:nvSpPr>
-          <p:cNvPr id="5" name="Title 1">
+      <p:pic>
+        <p:nvPicPr>
+          <p:cNvPr id="4" name="Picture 4">
             <a:extLst>
               <a:ext uri="{FF2B5EF4-FFF2-40B4-BE49-F238E27FC236}">
-                <a16:creationId xmlns:a16="http://schemas.microsoft.com/office/drawing/2014/main" id="{47D47CC5-C6D7-4D93-AA6F-027611C1CDD3}"/>
+                <a16:creationId xmlns:a16="http://schemas.microsoft.com/office/drawing/2014/main" id="{71B135C4-DCA2-4D40-BF90-01D40BCFA3F6}"/>
               </a:ext>
             </a:extLst>
           </p:cNvPr>
-          <p:cNvSpPr txBox="1">
-            <a:spLocks/>
+          <p:cNvPicPr>
+            <a:picLocks noGrp="1" noChangeAspect="1"/>
+          </p:cNvPicPr>
+          <p:nvPr>
+            <p:ph idx="1"/>
+          </p:nvPr>
+        </p:nvPicPr>
+        <p:blipFill>
+          <a:blip r:embed="rId2"/>
+          <a:stretch>
+            <a:fillRect/>
+          </a:stretch>
+        </p:blipFill>
+        <p:spPr>
+          <a:xfrm>
+            <a:off x="617907" y="1026283"/>
+            <a:ext cx="11110854" cy="5526917"/>
+          </a:xfrm>
+        </p:spPr>
+      </p:pic>
+    </p:spTree>
+    <p:extLst>
+      <p:ext uri="{BB962C8B-B14F-4D97-AF65-F5344CB8AC3E}">
+        <p14:creationId xmlns:p14="http://schemas.microsoft.com/office/powerpoint/2010/main" val="1908767820"/>
+      </p:ext>
+    </p:extLst>
+  </p:cSld>
+  <p:clrMapOvr>
+    <a:masterClrMapping/>
+  </p:clrMapOvr>
+</p:sld>
+</file>
+
+<file path=ppt/slides/slide19.xml><?xml version="1.0" encoding="utf-8"?>
+<p:sld xmlns:a="http://schemas.openxmlformats.org/drawingml/2006/main" xmlns:r="http://schemas.openxmlformats.org/officeDocument/2006/relationships" xmlns:p="http://schemas.openxmlformats.org/presentationml/2006/main">
+  <p:cSld>
+    <p:bg>
+      <p:bgPr>
+        <a:blipFill>
+          <a:blip r:embed="rId2"/>
+          <a:stretch/>
+        </a:blipFill>
+        <a:effectLst/>
+      </p:bgPr>
+    </p:bg>
+    <p:spTree>
+      <p:nvGrpSpPr>
+        <p:cNvPr id="1" name=""/>
+        <p:cNvGrpSpPr/>
+        <p:nvPr/>
+      </p:nvGrpSpPr>
+      <p:grpSpPr>
+        <a:xfrm>
+          <a:off x="0" y="0"/>
+          <a:ext cx="0" cy="0"/>
+          <a:chOff x="0" y="0"/>
+          <a:chExt cx="0" cy="0"/>
+        </a:xfrm>
+      </p:grpSpPr>
+      <p:sp>
+        <p:nvSpPr>
+          <p:cNvPr id="2" name="Title 1">
+            <a:extLst>
+              <a:ext uri="{FF2B5EF4-FFF2-40B4-BE49-F238E27FC236}">
+                <a16:creationId xmlns:a16="http://schemas.microsoft.com/office/drawing/2014/main" id="{D9E5EAD5-DBBA-4053-8F2C-626F2B01D468}"/>
+              </a:ext>
+            </a:extLst>
+          </p:cNvPr>
+          <p:cNvSpPr>
+            <a:spLocks noGrp="1"/>
           </p:cNvSpPr>
-          <p:nvPr/>
+          <p:nvPr>
+            <p:ph type="title"/>
+          </p:nvPr>
         </p:nvSpPr>
         <p:spPr>
           <a:xfrm>
-            <a:off x="5266662" y="3949996"/>
-            <a:ext cx="1651961" cy="844895"/>
+            <a:off x="825909" y="808055"/>
+            <a:ext cx="3979205" cy="1453363"/>
           </a:xfrm>
-          <a:prstGeom prst="rect">
-            <a:avLst/>
-          </a:prstGeom>
         </p:spPr>
         <p:txBody>
-          <a:bodyPr lIns="91440" tIns="45720" rIns="91440" bIns="45720" anchor="t"/>
-          <a:lstStyle>
-            <a:lvl1pPr algn="l" defTabSz="457200" rtl="0" eaLnBrk="1" latinLnBrk="0" hangingPunct="1">
-              <a:spcBef>
-                <a:spcPct val="0"/>
-              </a:spcBef>
-              <a:buNone/>
-              <a:defRPr sz="3600" kern="1200" cap="all">
-                <a:ln w="3175" cmpd="sng">
-                  <a:noFill/>
-                </a:ln>
-                <a:solidFill>
-                  <a:schemeClr val="tx1"/>
-                </a:solidFill>
-                <a:effectLst/>
-                <a:latin typeface="+mj-lt"/>
-                <a:ea typeface="+mj-ea"/>
-                <a:cs typeface="+mj-cs"/>
-              </a:defRPr>
-            </a:lvl1pPr>
-            <a:lvl2pPr eaLnBrk="1" hangingPunct="1">
-              <a:defRPr>
-                <a:solidFill>
-                  <a:schemeClr val="tx2"/>
-                </a:solidFill>
-              </a:defRPr>
-            </a:lvl2pPr>
-            <a:lvl3pPr eaLnBrk="1" hangingPunct="1">
-              <a:defRPr>
-                <a:solidFill>
-                  <a:schemeClr val="tx2"/>
-                </a:solidFill>
-              </a:defRPr>
-            </a:lvl3pPr>
-            <a:lvl4pPr eaLnBrk="1" hangingPunct="1">
-              <a:defRPr>
-                <a:solidFill>
-                  <a:schemeClr val="tx2"/>
-                </a:solidFill>
-              </a:defRPr>
-            </a:lvl4pPr>
-            <a:lvl5pPr eaLnBrk="1" hangingPunct="1">
-              <a:defRPr>
-                <a:solidFill>
-                  <a:schemeClr val="tx2"/>
-                </a:solidFill>
-              </a:defRPr>
-            </a:lvl5pPr>
-            <a:lvl6pPr eaLnBrk="1" hangingPunct="1">
-              <a:defRPr>
-                <a:solidFill>
-                  <a:schemeClr val="tx2"/>
-                </a:solidFill>
-              </a:defRPr>
-            </a:lvl6pPr>
-            <a:lvl7pPr eaLnBrk="1" hangingPunct="1">
-              <a:defRPr>
-                <a:solidFill>
-                  <a:schemeClr val="tx2"/>
-                </a:solidFill>
-              </a:defRPr>
-            </a:lvl7pPr>
-            <a:lvl8pPr eaLnBrk="1" hangingPunct="1">
-              <a:defRPr>
-                <a:solidFill>
-                  <a:schemeClr val="tx2"/>
-                </a:solidFill>
-              </a:defRPr>
-            </a:lvl8pPr>
-            <a:lvl9pPr eaLnBrk="1" hangingPunct="1">
-              <a:defRPr>
-                <a:solidFill>
-                  <a:schemeClr val="tx2"/>
-                </a:solidFill>
-              </a:defRPr>
-            </a:lvl9pPr>
-          </a:lstStyle>
+          <a:bodyPr>
+            <a:normAutofit/>
+          </a:bodyPr>
+          <a:lstStyle/>
           <a:p>
             <a:r>
-              <a:rPr lang="en-US" sz="4500" dirty="0">
+              <a:rPr lang="en-US" dirty="0">
                 <a:latin typeface="Bookman Old Style"/>
-                <a:cs typeface="Calibri Light"/>
+                <a:ea typeface="+mj-lt"/>
+                <a:cs typeface="+mj-lt"/>
               </a:rPr>
-              <a:t>Q&amp;A</a:t>
+              <a:t>main supported features</a:t>
             </a:r>
+            <a:endParaRPr lang="en-US" dirty="0">
+              <a:latin typeface="Bookman Old Style"/>
+            </a:endParaRPr>
           </a:p>
         </p:txBody>
       </p:sp>
+      <p:pic>
+        <p:nvPicPr>
+          <p:cNvPr id="4" name="Picture 4">
+            <a:extLst>
+              <a:ext uri="{FF2B5EF4-FFF2-40B4-BE49-F238E27FC236}">
+                <a16:creationId xmlns:a16="http://schemas.microsoft.com/office/drawing/2014/main" id="{7FF1B0BF-E8EC-4378-9ECF-D0880420566A}"/>
+              </a:ext>
+            </a:extLst>
+          </p:cNvPr>
+          <p:cNvPicPr>
+            <a:picLocks noChangeAspect="1"/>
+          </p:cNvPicPr>
+          <p:nvPr/>
+        </p:nvPicPr>
+        <p:blipFill>
+          <a:blip r:embed="rId3"/>
+          <a:stretch>
+            <a:fillRect/>
+          </a:stretch>
+        </p:blipFill>
+        <p:spPr>
+          <a:xfrm>
+            <a:off x="1479753" y="2536213"/>
+            <a:ext cx="8289785" cy="3606376"/>
+          </a:xfrm>
+          <a:prstGeom prst="roundRect">
+            <a:avLst>
+              <a:gd name="adj" fmla="val 4380"/>
+            </a:avLst>
+          </a:prstGeom>
+          <a:ln w="50800" cap="sq" cmpd="dbl">
+            <a:gradFill flip="none" rotWithShape="1">
+              <a:gsLst>
+                <a:gs pos="0">
+                  <a:srgbClr val="FFFFFF"/>
+                </a:gs>
+                <a:gs pos="100000">
+                  <a:schemeClr val="tx1">
+                    <a:alpha val="0"/>
+                  </a:schemeClr>
+                </a:gs>
+              </a:gsLst>
+              <a:path path="circle">
+                <a:fillToRect l="50000" t="50000" r="50000" b="50000"/>
+              </a:path>
+              <a:tileRect/>
+            </a:gradFill>
+            <a:miter lim="800000"/>
+          </a:ln>
+          <a:effectLst>
+            <a:outerShdw blurRad="254000" algn="tl" rotWithShape="0">
+              <a:srgbClr val="000000">
+                <a:alpha val="43000"/>
+              </a:srgbClr>
+            </a:outerShdw>
+          </a:effectLst>
+        </p:spPr>
+      </p:pic>
     </p:spTree>
     <p:extLst>
       <p:ext uri="{BB962C8B-B14F-4D97-AF65-F5344CB8AC3E}">
-        <p14:creationId xmlns:p14="http://schemas.microsoft.com/office/powerpoint/2010/main" val="1815913685"/>
+        <p14:creationId xmlns:p14="http://schemas.microsoft.com/office/powerpoint/2010/main" val="3408145198"/>
       </p:ext>
     </p:extLst>
   </p:cSld>
@@ -16090,6 +16448,2083 @@
     <p:extLst>
       <p:ext uri="{BB962C8B-B14F-4D97-AF65-F5344CB8AC3E}">
         <p14:creationId xmlns:p14="http://schemas.microsoft.com/office/powerpoint/2010/main" val="3657934997"/>
+      </p:ext>
+    </p:extLst>
+  </p:cSld>
+  <p:clrMapOvr>
+    <a:masterClrMapping/>
+  </p:clrMapOvr>
+</p:sld>
+</file>
+
+<file path=ppt/slides/slide20.xml><?xml version="1.0" encoding="utf-8"?>
+<p:sld xmlns:a="http://schemas.openxmlformats.org/drawingml/2006/main" xmlns:r="http://schemas.openxmlformats.org/officeDocument/2006/relationships" xmlns:p="http://schemas.openxmlformats.org/presentationml/2006/main">
+  <p:cSld>
+    <p:spTree>
+      <p:nvGrpSpPr>
+        <p:cNvPr id="1" name=""/>
+        <p:cNvGrpSpPr/>
+        <p:nvPr/>
+      </p:nvGrpSpPr>
+      <p:grpSpPr>
+        <a:xfrm>
+          <a:off x="0" y="0"/>
+          <a:ext cx="0" cy="0"/>
+          <a:chOff x="0" y="0"/>
+          <a:chExt cx="0" cy="0"/>
+        </a:xfrm>
+      </p:grpSpPr>
+      <p:sp>
+        <p:nvSpPr>
+          <p:cNvPr id="2" name="Title 1">
+            <a:extLst>
+              <a:ext uri="{FF2B5EF4-FFF2-40B4-BE49-F238E27FC236}">
+                <a16:creationId xmlns:a16="http://schemas.microsoft.com/office/drawing/2014/main" id="{D492A273-E44A-4895-93D4-EEBA210D4327}"/>
+              </a:ext>
+            </a:extLst>
+          </p:cNvPr>
+          <p:cNvSpPr>
+            <a:spLocks noGrp="1"/>
+          </p:cNvSpPr>
+          <p:nvPr>
+            <p:ph type="title"/>
+          </p:nvPr>
+        </p:nvSpPr>
+        <p:spPr>
+          <a:xfrm>
+            <a:off x="318408" y="160564"/>
+            <a:ext cx="10131425" cy="898375"/>
+          </a:xfrm>
+        </p:spPr>
+        <p:txBody>
+          <a:bodyPr/>
+          <a:lstStyle/>
+          <a:p>
+            <a:r>
+              <a:rPr lang="en-US" dirty="0">
+                <a:latin typeface="Bookman Old Style"/>
+                <a:ea typeface="+mj-lt"/>
+                <a:cs typeface="+mj-lt"/>
+              </a:rPr>
+              <a:t>Quantization flow</a:t>
+            </a:r>
+            <a:endParaRPr lang="en-US" dirty="0">
+              <a:latin typeface="Bookman Old Style"/>
+            </a:endParaRPr>
+          </a:p>
+        </p:txBody>
+      </p:sp>
+      <p:pic>
+        <p:nvPicPr>
+          <p:cNvPr id="4" name="Picture 4">
+            <a:extLst>
+              <a:ext uri="{FF2B5EF4-FFF2-40B4-BE49-F238E27FC236}">
+                <a16:creationId xmlns:a16="http://schemas.microsoft.com/office/drawing/2014/main" id="{44A6BE29-8F86-4858-A655-FE9ED85345B7}"/>
+              </a:ext>
+            </a:extLst>
+          </p:cNvPr>
+          <p:cNvPicPr>
+            <a:picLocks noGrp="1" noChangeAspect="1"/>
+          </p:cNvPicPr>
+          <p:nvPr>
+            <p:ph idx="1"/>
+          </p:nvPr>
+        </p:nvPicPr>
+        <p:blipFill>
+          <a:blip r:embed="rId2"/>
+          <a:stretch>
+            <a:fillRect/>
+          </a:stretch>
+        </p:blipFill>
+        <p:spPr>
+          <a:xfrm>
+            <a:off x="435627" y="1256405"/>
+            <a:ext cx="10962444" cy="4352543"/>
+          </a:xfrm>
+        </p:spPr>
+      </p:pic>
+    </p:spTree>
+    <p:extLst>
+      <p:ext uri="{BB962C8B-B14F-4D97-AF65-F5344CB8AC3E}">
+        <p14:creationId xmlns:p14="http://schemas.microsoft.com/office/powerpoint/2010/main" val="1382899022"/>
+      </p:ext>
+    </p:extLst>
+  </p:cSld>
+  <p:clrMapOvr>
+    <a:masterClrMapping/>
+  </p:clrMapOvr>
+</p:sld>
+</file>
+
+<file path=ppt/slides/slide21.xml><?xml version="1.0" encoding="utf-8"?>
+<p:sld xmlns:a="http://schemas.openxmlformats.org/drawingml/2006/main" xmlns:r="http://schemas.openxmlformats.org/officeDocument/2006/relationships" xmlns:p="http://schemas.openxmlformats.org/presentationml/2006/main">
+  <p:cSld>
+    <p:bg>
+      <p:bgPr>
+        <a:solidFill>
+          <a:schemeClr val="bg2"/>
+        </a:solidFill>
+        <a:effectLst/>
+      </p:bgPr>
+    </p:bg>
+    <p:spTree>
+      <p:nvGrpSpPr>
+        <p:cNvPr id="1" name=""/>
+        <p:cNvGrpSpPr/>
+        <p:nvPr/>
+      </p:nvGrpSpPr>
+      <p:grpSpPr>
+        <a:xfrm>
+          <a:off x="0" y="0"/>
+          <a:ext cx="0" cy="0"/>
+          <a:chOff x="0" y="0"/>
+          <a:chExt cx="0" cy="0"/>
+        </a:xfrm>
+      </p:grpSpPr>
+      <p:sp useBgFill="1">
+        <p:nvSpPr>
+          <p:cNvPr id="12" name="Rectangle 11">
+            <a:extLst>
+              <a:ext uri="{FF2B5EF4-FFF2-40B4-BE49-F238E27FC236}">
+                <a16:creationId xmlns:a16="http://schemas.microsoft.com/office/drawing/2014/main" id="{E1EB41F2-E181-4D4D-9131-A30F6B0AE596}"/>
+              </a:ext>
+              <a:ext uri="{C183D7F6-B498-43B3-948B-1728B52AA6E4}">
+                <adec:decorative xmlns:adec="http://schemas.microsoft.com/office/drawing/2017/decorative" val="1"/>
+              </a:ext>
+            </a:extLst>
+          </p:cNvPr>
+          <p:cNvSpPr>
+            <a:spLocks noGrp="1" noRot="1" noChangeAspect="1" noMove="1" noResize="1" noEditPoints="1" noAdjustHandles="1" noChangeArrowheads="1" noChangeShapeType="1" noTextEdit="1"/>
+          </p:cNvSpPr>
+          <p:nvPr>
+            <p:extLst>
+              <p:ext uri="{386F3935-93C4-4BCD-93E2-E3B085C9AB24}">
+                <p16:designElem xmlns:p16="http://schemas.microsoft.com/office/powerpoint/2015/main" val="1"/>
+              </p:ext>
+            </p:extLst>
+          </p:nvPr>
+        </p:nvSpPr>
+        <p:spPr>
+          <a:xfrm>
+            <a:off x="0" y="0"/>
+            <a:ext cx="12192000" cy="6858000"/>
+          </a:xfrm>
+          <a:prstGeom prst="rect">
+            <a:avLst/>
+          </a:prstGeom>
+          <a:ln>
+            <a:noFill/>
+          </a:ln>
+        </p:spPr>
+        <p:style>
+          <a:lnRef idx="2">
+            <a:schemeClr val="accent1">
+              <a:shade val="50000"/>
+            </a:schemeClr>
+          </a:lnRef>
+          <a:fillRef idx="1">
+            <a:schemeClr val="accent1"/>
+          </a:fillRef>
+          <a:effectRef idx="0">
+            <a:schemeClr val="accent1"/>
+          </a:effectRef>
+          <a:fontRef idx="minor">
+            <a:schemeClr val="lt1"/>
+          </a:fontRef>
+        </p:style>
+        <p:txBody>
+          <a:bodyPr rtlCol="0" anchor="ctr"/>
+          <a:lstStyle/>
+          <a:p>
+            <a:pPr algn="ctr"/>
+            <a:endParaRPr lang="en-US"/>
+          </a:p>
+        </p:txBody>
+      </p:sp>
+      <p:sp>
+        <p:nvSpPr>
+          <p:cNvPr id="14" name="Freeform: Shape 13">
+            <a:extLst>
+              <a:ext uri="{FF2B5EF4-FFF2-40B4-BE49-F238E27FC236}">
+                <a16:creationId xmlns:a16="http://schemas.microsoft.com/office/drawing/2014/main" id="{3D63CC92-C517-4C71-9222-4579252CD62E}"/>
+              </a:ext>
+              <a:ext uri="{C183D7F6-B498-43B3-948B-1728B52AA6E4}">
+                <adec:decorative xmlns:adec="http://schemas.microsoft.com/office/drawing/2017/decorative" val="1"/>
+              </a:ext>
+            </a:extLst>
+          </p:cNvPr>
+          <p:cNvSpPr>
+            <a:spLocks noGrp="1" noRot="1" noChangeAspect="1" noMove="1" noResize="1" noEditPoints="1" noAdjustHandles="1" noChangeArrowheads="1" noChangeShapeType="1" noTextEdit="1"/>
+          </p:cNvSpPr>
+          <p:nvPr>
+            <p:extLst>
+              <p:ext uri="{386F3935-93C4-4BCD-93E2-E3B085C9AB24}">
+                <p16:designElem xmlns:p16="http://schemas.microsoft.com/office/powerpoint/2015/main" val="1"/>
+              </p:ext>
+            </p:extLst>
+          </p:nvPr>
+        </p:nvSpPr>
+        <p:spPr>
+          <a:xfrm>
+            <a:off x="0" y="0"/>
+            <a:ext cx="12192000" cy="2270839"/>
+          </a:xfrm>
+          <a:custGeom>
+            <a:avLst/>
+            <a:gdLst>
+              <a:gd name="connsiteX0" fmla="*/ 0 w 12192000"/>
+              <a:gd name="connsiteY0" fmla="*/ 0 h 2270839"/>
+              <a:gd name="connsiteX1" fmla="*/ 12192000 w 12192000"/>
+              <a:gd name="connsiteY1" fmla="*/ 0 h 2270839"/>
+              <a:gd name="connsiteX2" fmla="*/ 12192000 w 12192000"/>
+              <a:gd name="connsiteY2" fmla="*/ 213719 h 2270839"/>
+              <a:gd name="connsiteX3" fmla="*/ 12192000 w 12192000"/>
+              <a:gd name="connsiteY3" fmla="*/ 471948 h 2270839"/>
+              <a:gd name="connsiteX4" fmla="*/ 12192000 w 12192000"/>
+              <a:gd name="connsiteY4" fmla="*/ 519830 h 2270839"/>
+              <a:gd name="connsiteX5" fmla="*/ 12192000 w 12192000"/>
+              <a:gd name="connsiteY5" fmla="*/ 744793 h 2270839"/>
+              <a:gd name="connsiteX6" fmla="*/ 12192000 w 12192000"/>
+              <a:gd name="connsiteY6" fmla="*/ 1754021 h 2270839"/>
+              <a:gd name="connsiteX7" fmla="*/ 11957522 w 12192000"/>
+              <a:gd name="connsiteY7" fmla="*/ 1797923 h 2270839"/>
+              <a:gd name="connsiteX8" fmla="*/ 11679973 w 12192000"/>
+              <a:gd name="connsiteY8" fmla="*/ 1847667 h 2270839"/>
+              <a:gd name="connsiteX9" fmla="*/ 11401197 w 12192000"/>
+              <a:gd name="connsiteY9" fmla="*/ 1896360 h 2270839"/>
+              <a:gd name="connsiteX10" fmla="*/ 11121192 w 12192000"/>
+              <a:gd name="connsiteY10" fmla="*/ 1938046 h 2270839"/>
+              <a:gd name="connsiteX11" fmla="*/ 10842416 w 12192000"/>
+              <a:gd name="connsiteY11" fmla="*/ 1980083 h 2270839"/>
+              <a:gd name="connsiteX12" fmla="*/ 10562411 w 12192000"/>
+              <a:gd name="connsiteY12" fmla="*/ 2019318 h 2270839"/>
+              <a:gd name="connsiteX13" fmla="*/ 10286091 w 12192000"/>
+              <a:gd name="connsiteY13" fmla="*/ 2052947 h 2270839"/>
+              <a:gd name="connsiteX14" fmla="*/ 10006086 w 12192000"/>
+              <a:gd name="connsiteY14" fmla="*/ 2084825 h 2270839"/>
+              <a:gd name="connsiteX15" fmla="*/ 9727310 w 12192000"/>
+              <a:gd name="connsiteY15" fmla="*/ 2113901 h 2270839"/>
+              <a:gd name="connsiteX16" fmla="*/ 9453445 w 12192000"/>
+              <a:gd name="connsiteY16" fmla="*/ 2139123 h 2270839"/>
+              <a:gd name="connsiteX17" fmla="*/ 9175897 w 12192000"/>
+              <a:gd name="connsiteY17" fmla="*/ 2164345 h 2270839"/>
+              <a:gd name="connsiteX18" fmla="*/ 8902033 w 12192000"/>
+              <a:gd name="connsiteY18" fmla="*/ 2185364 h 2270839"/>
+              <a:gd name="connsiteX19" fmla="*/ 8628169 w 12192000"/>
+              <a:gd name="connsiteY19" fmla="*/ 2201828 h 2270839"/>
+              <a:gd name="connsiteX20" fmla="*/ 8355533 w 12192000"/>
+              <a:gd name="connsiteY20" fmla="*/ 2218994 h 2270839"/>
+              <a:gd name="connsiteX21" fmla="*/ 8085353 w 12192000"/>
+              <a:gd name="connsiteY21" fmla="*/ 2233356 h 2270839"/>
+              <a:gd name="connsiteX22" fmla="*/ 7817629 w 12192000"/>
+              <a:gd name="connsiteY22" fmla="*/ 2243515 h 2270839"/>
+              <a:gd name="connsiteX23" fmla="*/ 7549905 w 12192000"/>
+              <a:gd name="connsiteY23" fmla="*/ 2252273 h 2270839"/>
+              <a:gd name="connsiteX24" fmla="*/ 7284638 w 12192000"/>
+              <a:gd name="connsiteY24" fmla="*/ 2260680 h 2270839"/>
+              <a:gd name="connsiteX25" fmla="*/ 7023055 w 12192000"/>
+              <a:gd name="connsiteY25" fmla="*/ 2264534 h 2270839"/>
+              <a:gd name="connsiteX26" fmla="*/ 6761472 w 12192000"/>
+              <a:gd name="connsiteY26" fmla="*/ 2268737 h 2270839"/>
+              <a:gd name="connsiteX27" fmla="*/ 6503573 w 12192000"/>
+              <a:gd name="connsiteY27" fmla="*/ 2270839 h 2270839"/>
+              <a:gd name="connsiteX28" fmla="*/ 6248130 w 12192000"/>
+              <a:gd name="connsiteY28" fmla="*/ 2268737 h 2270839"/>
+              <a:gd name="connsiteX29" fmla="*/ 5995144 w 12192000"/>
+              <a:gd name="connsiteY29" fmla="*/ 2268737 h 2270839"/>
+              <a:gd name="connsiteX30" fmla="*/ 5744613 w 12192000"/>
+              <a:gd name="connsiteY30" fmla="*/ 2264534 h 2270839"/>
+              <a:gd name="connsiteX31" fmla="*/ 5498995 w 12192000"/>
+              <a:gd name="connsiteY31" fmla="*/ 2258228 h 2270839"/>
+              <a:gd name="connsiteX32" fmla="*/ 5255834 w 12192000"/>
+              <a:gd name="connsiteY32" fmla="*/ 2252273 h 2270839"/>
+              <a:gd name="connsiteX33" fmla="*/ 5017584 w 12192000"/>
+              <a:gd name="connsiteY33" fmla="*/ 2245617 h 2270839"/>
+              <a:gd name="connsiteX34" fmla="*/ 4780562 w 12192000"/>
+              <a:gd name="connsiteY34" fmla="*/ 2235458 h 2270839"/>
+              <a:gd name="connsiteX35" fmla="*/ 4547227 w 12192000"/>
+              <a:gd name="connsiteY35" fmla="*/ 2224598 h 2270839"/>
+              <a:gd name="connsiteX36" fmla="*/ 4318800 w 12192000"/>
+              <a:gd name="connsiteY36" fmla="*/ 2214790 h 2270839"/>
+              <a:gd name="connsiteX37" fmla="*/ 3873004 w 12192000"/>
+              <a:gd name="connsiteY37" fmla="*/ 2187115 h 2270839"/>
+              <a:gd name="connsiteX38" fmla="*/ 3445628 w 12192000"/>
+              <a:gd name="connsiteY38" fmla="*/ 2157690 h 2270839"/>
+              <a:gd name="connsiteX39" fmla="*/ 3035446 w 12192000"/>
+              <a:gd name="connsiteY39" fmla="*/ 2126862 h 2270839"/>
+              <a:gd name="connsiteX40" fmla="*/ 2647370 w 12192000"/>
+              <a:gd name="connsiteY40" fmla="*/ 2092883 h 2270839"/>
+              <a:gd name="connsiteX41" fmla="*/ 2276487 w 12192000"/>
+              <a:gd name="connsiteY41" fmla="*/ 2057501 h 2270839"/>
+              <a:gd name="connsiteX42" fmla="*/ 1932621 w 12192000"/>
+              <a:gd name="connsiteY42" fmla="*/ 2019318 h 2270839"/>
+              <a:gd name="connsiteX43" fmla="*/ 1609634 w 12192000"/>
+              <a:gd name="connsiteY43" fmla="*/ 1981835 h 2270839"/>
+              <a:gd name="connsiteX44" fmla="*/ 1312435 w 12192000"/>
+              <a:gd name="connsiteY44" fmla="*/ 1944352 h 2270839"/>
+              <a:gd name="connsiteX45" fmla="*/ 1039799 w 12192000"/>
+              <a:gd name="connsiteY45" fmla="*/ 1908971 h 2270839"/>
+              <a:gd name="connsiteX46" fmla="*/ 797865 w 12192000"/>
+              <a:gd name="connsiteY46" fmla="*/ 1875341 h 2270839"/>
+              <a:gd name="connsiteX47" fmla="*/ 579265 w 12192000"/>
+              <a:gd name="connsiteY47" fmla="*/ 1843463 h 2270839"/>
+              <a:gd name="connsiteX48" fmla="*/ 395052 w 12192000"/>
+              <a:gd name="connsiteY48" fmla="*/ 1816840 h 2270839"/>
+              <a:gd name="connsiteX49" fmla="*/ 240312 w 12192000"/>
+              <a:gd name="connsiteY49" fmla="*/ 1791617 h 2270839"/>
+              <a:gd name="connsiteX50" fmla="*/ 27853 w 12192000"/>
+              <a:gd name="connsiteY50" fmla="*/ 1755536 h 2270839"/>
+              <a:gd name="connsiteX51" fmla="*/ 0 w 12192000"/>
+              <a:gd name="connsiteY51" fmla="*/ 1750823 h 2270839"/>
+              <a:gd name="connsiteX52" fmla="*/ 0 w 12192000"/>
+              <a:gd name="connsiteY52" fmla="*/ 744793 h 2270839"/>
+              <a:gd name="connsiteX53" fmla="*/ 0 w 12192000"/>
+              <a:gd name="connsiteY53" fmla="*/ 519830 h 2270839"/>
+              <a:gd name="connsiteX54" fmla="*/ 0 w 12192000"/>
+              <a:gd name="connsiteY54" fmla="*/ 471948 h 2270839"/>
+              <a:gd name="connsiteX55" fmla="*/ 0 w 12192000"/>
+              <a:gd name="connsiteY55" fmla="*/ 213719 h 2270839"/>
+            </a:gdLst>
+            <a:ahLst/>
+            <a:cxnLst>
+              <a:cxn ang="0">
+                <a:pos x="connsiteX0" y="connsiteY0"/>
+              </a:cxn>
+              <a:cxn ang="0">
+                <a:pos x="connsiteX1" y="connsiteY1"/>
+              </a:cxn>
+              <a:cxn ang="0">
+                <a:pos x="connsiteX2" y="connsiteY2"/>
+              </a:cxn>
+              <a:cxn ang="0">
+                <a:pos x="connsiteX3" y="connsiteY3"/>
+              </a:cxn>
+              <a:cxn ang="0">
+                <a:pos x="connsiteX4" y="connsiteY4"/>
+              </a:cxn>
+              <a:cxn ang="0">
+                <a:pos x="connsiteX5" y="connsiteY5"/>
+              </a:cxn>
+              <a:cxn ang="0">
+                <a:pos x="connsiteX6" y="connsiteY6"/>
+              </a:cxn>
+              <a:cxn ang="0">
+                <a:pos x="connsiteX7" y="connsiteY7"/>
+              </a:cxn>
+              <a:cxn ang="0">
+                <a:pos x="connsiteX8" y="connsiteY8"/>
+              </a:cxn>
+              <a:cxn ang="0">
+                <a:pos x="connsiteX9" y="connsiteY9"/>
+              </a:cxn>
+              <a:cxn ang="0">
+                <a:pos x="connsiteX10" y="connsiteY10"/>
+              </a:cxn>
+              <a:cxn ang="0">
+                <a:pos x="connsiteX11" y="connsiteY11"/>
+              </a:cxn>
+              <a:cxn ang="0">
+                <a:pos x="connsiteX12" y="connsiteY12"/>
+              </a:cxn>
+              <a:cxn ang="0">
+                <a:pos x="connsiteX13" y="connsiteY13"/>
+              </a:cxn>
+              <a:cxn ang="0">
+                <a:pos x="connsiteX14" y="connsiteY14"/>
+              </a:cxn>
+              <a:cxn ang="0">
+                <a:pos x="connsiteX15" y="connsiteY15"/>
+              </a:cxn>
+              <a:cxn ang="0">
+                <a:pos x="connsiteX16" y="connsiteY16"/>
+              </a:cxn>
+              <a:cxn ang="0">
+                <a:pos x="connsiteX17" y="connsiteY17"/>
+              </a:cxn>
+              <a:cxn ang="0">
+                <a:pos x="connsiteX18" y="connsiteY18"/>
+              </a:cxn>
+              <a:cxn ang="0">
+                <a:pos x="connsiteX19" y="connsiteY19"/>
+              </a:cxn>
+              <a:cxn ang="0">
+                <a:pos x="connsiteX20" y="connsiteY20"/>
+              </a:cxn>
+              <a:cxn ang="0">
+                <a:pos x="connsiteX21" y="connsiteY21"/>
+              </a:cxn>
+              <a:cxn ang="0">
+                <a:pos x="connsiteX22" y="connsiteY22"/>
+              </a:cxn>
+              <a:cxn ang="0">
+                <a:pos x="connsiteX23" y="connsiteY23"/>
+              </a:cxn>
+              <a:cxn ang="0">
+                <a:pos x="connsiteX24" y="connsiteY24"/>
+              </a:cxn>
+              <a:cxn ang="0">
+                <a:pos x="connsiteX25" y="connsiteY25"/>
+              </a:cxn>
+              <a:cxn ang="0">
+                <a:pos x="connsiteX26" y="connsiteY26"/>
+              </a:cxn>
+              <a:cxn ang="0">
+                <a:pos x="connsiteX27" y="connsiteY27"/>
+              </a:cxn>
+              <a:cxn ang="0">
+                <a:pos x="connsiteX28" y="connsiteY28"/>
+              </a:cxn>
+              <a:cxn ang="0">
+                <a:pos x="connsiteX29" y="connsiteY29"/>
+              </a:cxn>
+              <a:cxn ang="0">
+                <a:pos x="connsiteX30" y="connsiteY30"/>
+              </a:cxn>
+              <a:cxn ang="0">
+                <a:pos x="connsiteX31" y="connsiteY31"/>
+              </a:cxn>
+              <a:cxn ang="0">
+                <a:pos x="connsiteX32" y="connsiteY32"/>
+              </a:cxn>
+              <a:cxn ang="0">
+                <a:pos x="connsiteX33" y="connsiteY33"/>
+              </a:cxn>
+              <a:cxn ang="0">
+                <a:pos x="connsiteX34" y="connsiteY34"/>
+              </a:cxn>
+              <a:cxn ang="0">
+                <a:pos x="connsiteX35" y="connsiteY35"/>
+              </a:cxn>
+              <a:cxn ang="0">
+                <a:pos x="connsiteX36" y="connsiteY36"/>
+              </a:cxn>
+              <a:cxn ang="0">
+                <a:pos x="connsiteX37" y="connsiteY37"/>
+              </a:cxn>
+              <a:cxn ang="0">
+                <a:pos x="connsiteX38" y="connsiteY38"/>
+              </a:cxn>
+              <a:cxn ang="0">
+                <a:pos x="connsiteX39" y="connsiteY39"/>
+              </a:cxn>
+              <a:cxn ang="0">
+                <a:pos x="connsiteX40" y="connsiteY40"/>
+              </a:cxn>
+              <a:cxn ang="0">
+                <a:pos x="connsiteX41" y="connsiteY41"/>
+              </a:cxn>
+              <a:cxn ang="0">
+                <a:pos x="connsiteX42" y="connsiteY42"/>
+              </a:cxn>
+              <a:cxn ang="0">
+                <a:pos x="connsiteX43" y="connsiteY43"/>
+              </a:cxn>
+              <a:cxn ang="0">
+                <a:pos x="connsiteX44" y="connsiteY44"/>
+              </a:cxn>
+              <a:cxn ang="0">
+                <a:pos x="connsiteX45" y="connsiteY45"/>
+              </a:cxn>
+              <a:cxn ang="0">
+                <a:pos x="connsiteX46" y="connsiteY46"/>
+              </a:cxn>
+              <a:cxn ang="0">
+                <a:pos x="connsiteX47" y="connsiteY47"/>
+              </a:cxn>
+              <a:cxn ang="0">
+                <a:pos x="connsiteX48" y="connsiteY48"/>
+              </a:cxn>
+              <a:cxn ang="0">
+                <a:pos x="connsiteX49" y="connsiteY49"/>
+              </a:cxn>
+              <a:cxn ang="0">
+                <a:pos x="connsiteX50" y="connsiteY50"/>
+              </a:cxn>
+              <a:cxn ang="0">
+                <a:pos x="connsiteX51" y="connsiteY51"/>
+              </a:cxn>
+              <a:cxn ang="0">
+                <a:pos x="connsiteX52" y="connsiteY52"/>
+              </a:cxn>
+              <a:cxn ang="0">
+                <a:pos x="connsiteX53" y="connsiteY53"/>
+              </a:cxn>
+              <a:cxn ang="0">
+                <a:pos x="connsiteX54" y="connsiteY54"/>
+              </a:cxn>
+              <a:cxn ang="0">
+                <a:pos x="connsiteX55" y="connsiteY55"/>
+              </a:cxn>
+            </a:cxnLst>
+            <a:rect l="l" t="t" r="r" b="b"/>
+            <a:pathLst>
+              <a:path w="12192000" h="2270839">
+                <a:moveTo>
+                  <a:pt x="0" y="0"/>
+                </a:moveTo>
+                <a:lnTo>
+                  <a:pt x="12192000" y="0"/>
+                </a:lnTo>
+                <a:lnTo>
+                  <a:pt x="12192000" y="213719"/>
+                </a:lnTo>
+                <a:lnTo>
+                  <a:pt x="12192000" y="471948"/>
+                </a:lnTo>
+                <a:lnTo>
+                  <a:pt x="12192000" y="519830"/>
+                </a:lnTo>
+                <a:lnTo>
+                  <a:pt x="12192000" y="744793"/>
+                </a:lnTo>
+                <a:lnTo>
+                  <a:pt x="12192000" y="1754021"/>
+                </a:lnTo>
+                <a:lnTo>
+                  <a:pt x="11957522" y="1797923"/>
+                </a:lnTo>
+                <a:lnTo>
+                  <a:pt x="11679973" y="1847667"/>
+                </a:lnTo>
+                <a:lnTo>
+                  <a:pt x="11401197" y="1896360"/>
+                </a:lnTo>
+                <a:lnTo>
+                  <a:pt x="11121192" y="1938046"/>
+                </a:lnTo>
+                <a:lnTo>
+                  <a:pt x="10842416" y="1980083"/>
+                </a:lnTo>
+                <a:lnTo>
+                  <a:pt x="10562411" y="2019318"/>
+                </a:lnTo>
+                <a:lnTo>
+                  <a:pt x="10286091" y="2052947"/>
+                </a:lnTo>
+                <a:lnTo>
+                  <a:pt x="10006086" y="2084825"/>
+                </a:lnTo>
+                <a:lnTo>
+                  <a:pt x="9727310" y="2113901"/>
+                </a:lnTo>
+                <a:lnTo>
+                  <a:pt x="9453445" y="2139123"/>
+                </a:lnTo>
+                <a:lnTo>
+                  <a:pt x="9175897" y="2164345"/>
+                </a:lnTo>
+                <a:lnTo>
+                  <a:pt x="8902033" y="2185364"/>
+                </a:lnTo>
+                <a:lnTo>
+                  <a:pt x="8628169" y="2201828"/>
+                </a:lnTo>
+                <a:lnTo>
+                  <a:pt x="8355533" y="2218994"/>
+                </a:lnTo>
+                <a:lnTo>
+                  <a:pt x="8085353" y="2233356"/>
+                </a:lnTo>
+                <a:lnTo>
+                  <a:pt x="7817629" y="2243515"/>
+                </a:lnTo>
+                <a:lnTo>
+                  <a:pt x="7549905" y="2252273"/>
+                </a:lnTo>
+                <a:lnTo>
+                  <a:pt x="7284638" y="2260680"/>
+                </a:lnTo>
+                <a:lnTo>
+                  <a:pt x="7023055" y="2264534"/>
+                </a:lnTo>
+                <a:lnTo>
+                  <a:pt x="6761472" y="2268737"/>
+                </a:lnTo>
+                <a:lnTo>
+                  <a:pt x="6503573" y="2270839"/>
+                </a:lnTo>
+                <a:lnTo>
+                  <a:pt x="6248130" y="2268737"/>
+                </a:lnTo>
+                <a:lnTo>
+                  <a:pt x="5995144" y="2268737"/>
+                </a:lnTo>
+                <a:lnTo>
+                  <a:pt x="5744613" y="2264534"/>
+                </a:lnTo>
+                <a:lnTo>
+                  <a:pt x="5498995" y="2258228"/>
+                </a:lnTo>
+                <a:lnTo>
+                  <a:pt x="5255834" y="2252273"/>
+                </a:lnTo>
+                <a:lnTo>
+                  <a:pt x="5017584" y="2245617"/>
+                </a:lnTo>
+                <a:lnTo>
+                  <a:pt x="4780562" y="2235458"/>
+                </a:lnTo>
+                <a:lnTo>
+                  <a:pt x="4547227" y="2224598"/>
+                </a:lnTo>
+                <a:lnTo>
+                  <a:pt x="4318800" y="2214790"/>
+                </a:lnTo>
+                <a:lnTo>
+                  <a:pt x="3873004" y="2187115"/>
+                </a:lnTo>
+                <a:lnTo>
+                  <a:pt x="3445628" y="2157690"/>
+                </a:lnTo>
+                <a:lnTo>
+                  <a:pt x="3035446" y="2126862"/>
+                </a:lnTo>
+                <a:lnTo>
+                  <a:pt x="2647370" y="2092883"/>
+                </a:lnTo>
+                <a:lnTo>
+                  <a:pt x="2276487" y="2057501"/>
+                </a:lnTo>
+                <a:lnTo>
+                  <a:pt x="1932621" y="2019318"/>
+                </a:lnTo>
+                <a:lnTo>
+                  <a:pt x="1609634" y="1981835"/>
+                </a:lnTo>
+                <a:lnTo>
+                  <a:pt x="1312435" y="1944352"/>
+                </a:lnTo>
+                <a:lnTo>
+                  <a:pt x="1039799" y="1908971"/>
+                </a:lnTo>
+                <a:lnTo>
+                  <a:pt x="797865" y="1875341"/>
+                </a:lnTo>
+                <a:lnTo>
+                  <a:pt x="579265" y="1843463"/>
+                </a:lnTo>
+                <a:lnTo>
+                  <a:pt x="395052" y="1816840"/>
+                </a:lnTo>
+                <a:lnTo>
+                  <a:pt x="240312" y="1791617"/>
+                </a:lnTo>
+                <a:lnTo>
+                  <a:pt x="27853" y="1755536"/>
+                </a:lnTo>
+                <a:lnTo>
+                  <a:pt x="0" y="1750823"/>
+                </a:lnTo>
+                <a:lnTo>
+                  <a:pt x="0" y="744793"/>
+                </a:lnTo>
+                <a:lnTo>
+                  <a:pt x="0" y="519830"/>
+                </a:lnTo>
+                <a:lnTo>
+                  <a:pt x="0" y="471948"/>
+                </a:lnTo>
+                <a:lnTo>
+                  <a:pt x="0" y="213719"/>
+                </a:lnTo>
+                <a:close/>
+              </a:path>
+            </a:pathLst>
+          </a:custGeom>
+          <a:solidFill>
+            <a:schemeClr val="tx2"/>
+          </a:solidFill>
+          <a:ln w="44450">
+            <a:noFill/>
+          </a:ln>
+          <a:effectLst/>
+        </p:spPr>
+        <p:style>
+          <a:lnRef idx="2">
+            <a:schemeClr val="accent1">
+              <a:shade val="50000"/>
+            </a:schemeClr>
+          </a:lnRef>
+          <a:fillRef idx="1003">
+            <a:schemeClr val="dk2"/>
+          </a:fillRef>
+          <a:effectRef idx="0">
+            <a:schemeClr val="accent1"/>
+          </a:effectRef>
+          <a:fontRef idx="minor">
+            <a:schemeClr val="lt1"/>
+          </a:fontRef>
+        </p:style>
+        <p:txBody>
+          <a:bodyPr wrap="square" rtlCol="0" anchor="ctr">
+            <a:noAutofit/>
+          </a:bodyPr>
+          <a:lstStyle/>
+          <a:p>
+            <a:pPr algn="ctr"/>
+            <a:endParaRPr lang="en-US"/>
+          </a:p>
+        </p:txBody>
+      </p:sp>
+      <p:pic>
+        <p:nvPicPr>
+          <p:cNvPr id="16" name="Picture 15">
+            <a:extLst>
+              <a:ext uri="{FF2B5EF4-FFF2-40B4-BE49-F238E27FC236}">
+                <a16:creationId xmlns:a16="http://schemas.microsoft.com/office/drawing/2014/main" id="{40A39FDC-39F4-4CB7-873B-8D786EC02516}"/>
+              </a:ext>
+              <a:ext uri="{C183D7F6-B498-43B3-948B-1728B52AA6E4}">
+                <adec:decorative xmlns:adec="http://schemas.microsoft.com/office/drawing/2017/decorative" val="1"/>
+              </a:ext>
+            </a:extLst>
+          </p:cNvPr>
+          <p:cNvPicPr>
+            <a:picLocks noGrp="1" noRot="1" noChangeAspect="1" noMove="1" noResize="1" noEditPoints="1" noAdjustHandles="1" noChangeArrowheads="1" noChangeShapeType="1" noCrop="1"/>
+          </p:cNvPicPr>
+          <p:nvPr>
+            <p:extLst>
+              <p:ext uri="{386F3935-93C4-4BCD-93E2-E3B085C9AB24}">
+                <p16:designElem xmlns:p16="http://schemas.microsoft.com/office/powerpoint/2015/main" val="1"/>
+              </p:ext>
+            </p:extLst>
+          </p:nvPr>
+        </p:nvPicPr>
+        <p:blipFill rotWithShape="1">
+          <a:blip r:embed="rId2">
+            <a:extLst>
+              <a:ext uri="{28A0092B-C50C-407E-A947-70E740481C1C}">
+                <a14:useLocalDpi xmlns:a14="http://schemas.microsoft.com/office/drawing/2010/main" val="0"/>
+              </a:ext>
+            </a:extLst>
+          </a:blip>
+          <a:srcRect l="25900" b="63148"/>
+          <a:stretch/>
+        </p:blipFill>
+        <p:spPr>
+          <a:xfrm>
+            <a:off x="4071257" y="1"/>
+            <a:ext cx="8117568" cy="2270839"/>
+          </a:xfrm>
+          <a:custGeom>
+            <a:avLst/>
+            <a:gdLst>
+              <a:gd name="connsiteX0" fmla="*/ 0 w 8117568"/>
+              <a:gd name="connsiteY0" fmla="*/ 0 h 2270839"/>
+              <a:gd name="connsiteX1" fmla="*/ 8117568 w 8117568"/>
+              <a:gd name="connsiteY1" fmla="*/ 0 h 2270839"/>
+              <a:gd name="connsiteX2" fmla="*/ 8117568 w 8117568"/>
+              <a:gd name="connsiteY2" fmla="*/ 1754616 h 2270839"/>
+              <a:gd name="connsiteX3" fmla="*/ 7886265 w 8117568"/>
+              <a:gd name="connsiteY3" fmla="*/ 1797923 h 2270839"/>
+              <a:gd name="connsiteX4" fmla="*/ 7608716 w 8117568"/>
+              <a:gd name="connsiteY4" fmla="*/ 1847667 h 2270839"/>
+              <a:gd name="connsiteX5" fmla="*/ 7329940 w 8117568"/>
+              <a:gd name="connsiteY5" fmla="*/ 1896360 h 2270839"/>
+              <a:gd name="connsiteX6" fmla="*/ 7049935 w 8117568"/>
+              <a:gd name="connsiteY6" fmla="*/ 1938046 h 2270839"/>
+              <a:gd name="connsiteX7" fmla="*/ 6771159 w 8117568"/>
+              <a:gd name="connsiteY7" fmla="*/ 1980083 h 2270839"/>
+              <a:gd name="connsiteX8" fmla="*/ 6491154 w 8117568"/>
+              <a:gd name="connsiteY8" fmla="*/ 2019318 h 2270839"/>
+              <a:gd name="connsiteX9" fmla="*/ 6214834 w 8117568"/>
+              <a:gd name="connsiteY9" fmla="*/ 2052947 h 2270839"/>
+              <a:gd name="connsiteX10" fmla="*/ 5934829 w 8117568"/>
+              <a:gd name="connsiteY10" fmla="*/ 2084825 h 2270839"/>
+              <a:gd name="connsiteX11" fmla="*/ 5656053 w 8117568"/>
+              <a:gd name="connsiteY11" fmla="*/ 2113901 h 2270839"/>
+              <a:gd name="connsiteX12" fmla="*/ 5382188 w 8117568"/>
+              <a:gd name="connsiteY12" fmla="*/ 2139123 h 2270839"/>
+              <a:gd name="connsiteX13" fmla="*/ 5104640 w 8117568"/>
+              <a:gd name="connsiteY13" fmla="*/ 2164345 h 2270839"/>
+              <a:gd name="connsiteX14" fmla="*/ 4830776 w 8117568"/>
+              <a:gd name="connsiteY14" fmla="*/ 2185364 h 2270839"/>
+              <a:gd name="connsiteX15" fmla="*/ 4556912 w 8117568"/>
+              <a:gd name="connsiteY15" fmla="*/ 2201828 h 2270839"/>
+              <a:gd name="connsiteX16" fmla="*/ 4284276 w 8117568"/>
+              <a:gd name="connsiteY16" fmla="*/ 2218994 h 2270839"/>
+              <a:gd name="connsiteX17" fmla="*/ 4014096 w 8117568"/>
+              <a:gd name="connsiteY17" fmla="*/ 2233356 h 2270839"/>
+              <a:gd name="connsiteX18" fmla="*/ 3746372 w 8117568"/>
+              <a:gd name="connsiteY18" fmla="*/ 2243515 h 2270839"/>
+              <a:gd name="connsiteX19" fmla="*/ 3478648 w 8117568"/>
+              <a:gd name="connsiteY19" fmla="*/ 2252273 h 2270839"/>
+              <a:gd name="connsiteX20" fmla="*/ 3213381 w 8117568"/>
+              <a:gd name="connsiteY20" fmla="*/ 2260680 h 2270839"/>
+              <a:gd name="connsiteX21" fmla="*/ 2951798 w 8117568"/>
+              <a:gd name="connsiteY21" fmla="*/ 2264534 h 2270839"/>
+              <a:gd name="connsiteX22" fmla="*/ 2690215 w 8117568"/>
+              <a:gd name="connsiteY22" fmla="*/ 2268737 h 2270839"/>
+              <a:gd name="connsiteX23" fmla="*/ 2432316 w 8117568"/>
+              <a:gd name="connsiteY23" fmla="*/ 2270839 h 2270839"/>
+              <a:gd name="connsiteX24" fmla="*/ 2176873 w 8117568"/>
+              <a:gd name="connsiteY24" fmla="*/ 2268737 h 2270839"/>
+              <a:gd name="connsiteX25" fmla="*/ 1923887 w 8117568"/>
+              <a:gd name="connsiteY25" fmla="*/ 2268737 h 2270839"/>
+              <a:gd name="connsiteX26" fmla="*/ 1673356 w 8117568"/>
+              <a:gd name="connsiteY26" fmla="*/ 2264534 h 2270839"/>
+              <a:gd name="connsiteX27" fmla="*/ 1427738 w 8117568"/>
+              <a:gd name="connsiteY27" fmla="*/ 2258228 h 2270839"/>
+              <a:gd name="connsiteX28" fmla="*/ 1184577 w 8117568"/>
+              <a:gd name="connsiteY28" fmla="*/ 2252273 h 2270839"/>
+              <a:gd name="connsiteX29" fmla="*/ 946327 w 8117568"/>
+              <a:gd name="connsiteY29" fmla="*/ 2245617 h 2270839"/>
+              <a:gd name="connsiteX30" fmla="*/ 709305 w 8117568"/>
+              <a:gd name="connsiteY30" fmla="*/ 2235458 h 2270839"/>
+              <a:gd name="connsiteX31" fmla="*/ 475970 w 8117568"/>
+              <a:gd name="connsiteY31" fmla="*/ 2224598 h 2270839"/>
+              <a:gd name="connsiteX32" fmla="*/ 247543 w 8117568"/>
+              <a:gd name="connsiteY32" fmla="*/ 2214790 h 2270839"/>
+              <a:gd name="connsiteX33" fmla="*/ 0 w 8117568"/>
+              <a:gd name="connsiteY33" fmla="*/ 2199423 h 2270839"/>
+            </a:gdLst>
+            <a:ahLst/>
+            <a:cxnLst>
+              <a:cxn ang="0">
+                <a:pos x="connsiteX0" y="connsiteY0"/>
+              </a:cxn>
+              <a:cxn ang="0">
+                <a:pos x="connsiteX1" y="connsiteY1"/>
+              </a:cxn>
+              <a:cxn ang="0">
+                <a:pos x="connsiteX2" y="connsiteY2"/>
+              </a:cxn>
+              <a:cxn ang="0">
+                <a:pos x="connsiteX3" y="connsiteY3"/>
+              </a:cxn>
+              <a:cxn ang="0">
+                <a:pos x="connsiteX4" y="connsiteY4"/>
+              </a:cxn>
+              <a:cxn ang="0">
+                <a:pos x="connsiteX5" y="connsiteY5"/>
+              </a:cxn>
+              <a:cxn ang="0">
+                <a:pos x="connsiteX6" y="connsiteY6"/>
+              </a:cxn>
+              <a:cxn ang="0">
+                <a:pos x="connsiteX7" y="connsiteY7"/>
+              </a:cxn>
+              <a:cxn ang="0">
+                <a:pos x="connsiteX8" y="connsiteY8"/>
+              </a:cxn>
+              <a:cxn ang="0">
+                <a:pos x="connsiteX9" y="connsiteY9"/>
+              </a:cxn>
+              <a:cxn ang="0">
+                <a:pos x="connsiteX10" y="connsiteY10"/>
+              </a:cxn>
+              <a:cxn ang="0">
+                <a:pos x="connsiteX11" y="connsiteY11"/>
+              </a:cxn>
+              <a:cxn ang="0">
+                <a:pos x="connsiteX12" y="connsiteY12"/>
+              </a:cxn>
+              <a:cxn ang="0">
+                <a:pos x="connsiteX13" y="connsiteY13"/>
+              </a:cxn>
+              <a:cxn ang="0">
+                <a:pos x="connsiteX14" y="connsiteY14"/>
+              </a:cxn>
+              <a:cxn ang="0">
+                <a:pos x="connsiteX15" y="connsiteY15"/>
+              </a:cxn>
+              <a:cxn ang="0">
+                <a:pos x="connsiteX16" y="connsiteY16"/>
+              </a:cxn>
+              <a:cxn ang="0">
+                <a:pos x="connsiteX17" y="connsiteY17"/>
+              </a:cxn>
+              <a:cxn ang="0">
+                <a:pos x="connsiteX18" y="connsiteY18"/>
+              </a:cxn>
+              <a:cxn ang="0">
+                <a:pos x="connsiteX19" y="connsiteY19"/>
+              </a:cxn>
+              <a:cxn ang="0">
+                <a:pos x="connsiteX20" y="connsiteY20"/>
+              </a:cxn>
+              <a:cxn ang="0">
+                <a:pos x="connsiteX21" y="connsiteY21"/>
+              </a:cxn>
+              <a:cxn ang="0">
+                <a:pos x="connsiteX22" y="connsiteY22"/>
+              </a:cxn>
+              <a:cxn ang="0">
+                <a:pos x="connsiteX23" y="connsiteY23"/>
+              </a:cxn>
+              <a:cxn ang="0">
+                <a:pos x="connsiteX24" y="connsiteY24"/>
+              </a:cxn>
+              <a:cxn ang="0">
+                <a:pos x="connsiteX25" y="connsiteY25"/>
+              </a:cxn>
+              <a:cxn ang="0">
+                <a:pos x="connsiteX26" y="connsiteY26"/>
+              </a:cxn>
+              <a:cxn ang="0">
+                <a:pos x="connsiteX27" y="connsiteY27"/>
+              </a:cxn>
+              <a:cxn ang="0">
+                <a:pos x="connsiteX28" y="connsiteY28"/>
+              </a:cxn>
+              <a:cxn ang="0">
+                <a:pos x="connsiteX29" y="connsiteY29"/>
+              </a:cxn>
+              <a:cxn ang="0">
+                <a:pos x="connsiteX30" y="connsiteY30"/>
+              </a:cxn>
+              <a:cxn ang="0">
+                <a:pos x="connsiteX31" y="connsiteY31"/>
+              </a:cxn>
+              <a:cxn ang="0">
+                <a:pos x="connsiteX32" y="connsiteY32"/>
+              </a:cxn>
+              <a:cxn ang="0">
+                <a:pos x="connsiteX33" y="connsiteY33"/>
+              </a:cxn>
+            </a:cxnLst>
+            <a:rect l="l" t="t" r="r" b="b"/>
+            <a:pathLst>
+              <a:path w="8117568" h="2270839">
+                <a:moveTo>
+                  <a:pt x="0" y="0"/>
+                </a:moveTo>
+                <a:lnTo>
+                  <a:pt x="8117568" y="0"/>
+                </a:lnTo>
+                <a:lnTo>
+                  <a:pt x="8117568" y="1754616"/>
+                </a:lnTo>
+                <a:lnTo>
+                  <a:pt x="7886265" y="1797923"/>
+                </a:lnTo>
+                <a:lnTo>
+                  <a:pt x="7608716" y="1847667"/>
+                </a:lnTo>
+                <a:lnTo>
+                  <a:pt x="7329940" y="1896360"/>
+                </a:lnTo>
+                <a:lnTo>
+                  <a:pt x="7049935" y="1938046"/>
+                </a:lnTo>
+                <a:lnTo>
+                  <a:pt x="6771159" y="1980083"/>
+                </a:lnTo>
+                <a:lnTo>
+                  <a:pt x="6491154" y="2019318"/>
+                </a:lnTo>
+                <a:lnTo>
+                  <a:pt x="6214834" y="2052947"/>
+                </a:lnTo>
+                <a:lnTo>
+                  <a:pt x="5934829" y="2084825"/>
+                </a:lnTo>
+                <a:lnTo>
+                  <a:pt x="5656053" y="2113901"/>
+                </a:lnTo>
+                <a:lnTo>
+                  <a:pt x="5382188" y="2139123"/>
+                </a:lnTo>
+                <a:lnTo>
+                  <a:pt x="5104640" y="2164345"/>
+                </a:lnTo>
+                <a:lnTo>
+                  <a:pt x="4830776" y="2185364"/>
+                </a:lnTo>
+                <a:lnTo>
+                  <a:pt x="4556912" y="2201828"/>
+                </a:lnTo>
+                <a:lnTo>
+                  <a:pt x="4284276" y="2218994"/>
+                </a:lnTo>
+                <a:lnTo>
+                  <a:pt x="4014096" y="2233356"/>
+                </a:lnTo>
+                <a:lnTo>
+                  <a:pt x="3746372" y="2243515"/>
+                </a:lnTo>
+                <a:lnTo>
+                  <a:pt x="3478648" y="2252273"/>
+                </a:lnTo>
+                <a:lnTo>
+                  <a:pt x="3213381" y="2260680"/>
+                </a:lnTo>
+                <a:lnTo>
+                  <a:pt x="2951798" y="2264534"/>
+                </a:lnTo>
+                <a:lnTo>
+                  <a:pt x="2690215" y="2268737"/>
+                </a:lnTo>
+                <a:lnTo>
+                  <a:pt x="2432316" y="2270839"/>
+                </a:lnTo>
+                <a:lnTo>
+                  <a:pt x="2176873" y="2268737"/>
+                </a:lnTo>
+                <a:lnTo>
+                  <a:pt x="1923887" y="2268737"/>
+                </a:lnTo>
+                <a:lnTo>
+                  <a:pt x="1673356" y="2264534"/>
+                </a:lnTo>
+                <a:lnTo>
+                  <a:pt x="1427738" y="2258228"/>
+                </a:lnTo>
+                <a:lnTo>
+                  <a:pt x="1184577" y="2252273"/>
+                </a:lnTo>
+                <a:lnTo>
+                  <a:pt x="946327" y="2245617"/>
+                </a:lnTo>
+                <a:lnTo>
+                  <a:pt x="709305" y="2235458"/>
+                </a:lnTo>
+                <a:lnTo>
+                  <a:pt x="475970" y="2224598"/>
+                </a:lnTo>
+                <a:lnTo>
+                  <a:pt x="247543" y="2214790"/>
+                </a:lnTo>
+                <a:lnTo>
+                  <a:pt x="0" y="2199423"/>
+                </a:lnTo>
+                <a:close/>
+              </a:path>
+            </a:pathLst>
+          </a:custGeom>
+        </p:spPr>
+      </p:pic>
+      <p:sp>
+        <p:nvSpPr>
+          <p:cNvPr id="2" name="Title 1">
+            <a:extLst>
+              <a:ext uri="{FF2B5EF4-FFF2-40B4-BE49-F238E27FC236}">
+                <a16:creationId xmlns:a16="http://schemas.microsoft.com/office/drawing/2014/main" id="{EBBDC8B4-6AE1-4EB7-89D4-C625933EAF7F}"/>
+              </a:ext>
+            </a:extLst>
+          </p:cNvPr>
+          <p:cNvSpPr>
+            <a:spLocks noGrp="1"/>
+          </p:cNvSpPr>
+          <p:nvPr>
+            <p:ph type="title"/>
+          </p:nvPr>
+        </p:nvSpPr>
+        <p:spPr>
+          <a:xfrm>
+            <a:off x="1030288" y="609600"/>
+            <a:ext cx="10131425" cy="1110343"/>
+          </a:xfrm>
+        </p:spPr>
+        <p:txBody>
+          <a:bodyPr>
+            <a:normAutofit/>
+          </a:bodyPr>
+          <a:lstStyle/>
+          <a:p>
+            <a:pPr algn="ctr"/>
+            <a:r>
+              <a:rPr lang="en-US" dirty="0">
+                <a:solidFill>
+                  <a:schemeClr val="bg1"/>
+                </a:solidFill>
+                <a:cs typeface="Calibri Light"/>
+              </a:rPr>
+              <a:t>Simple quantization example</a:t>
+            </a:r>
+            <a:endParaRPr lang="en-US" dirty="0">
+              <a:solidFill>
+                <a:schemeClr val="bg1"/>
+              </a:solidFill>
+            </a:endParaRPr>
+          </a:p>
+        </p:txBody>
+      </p:sp>
+      <p:pic>
+        <p:nvPicPr>
+          <p:cNvPr id="8" name="Picture 8">
+            <a:extLst>
+              <a:ext uri="{FF2B5EF4-FFF2-40B4-BE49-F238E27FC236}">
+                <a16:creationId xmlns:a16="http://schemas.microsoft.com/office/drawing/2014/main" id="{0423165C-761A-44AB-B238-D84CF4E98D54}"/>
+              </a:ext>
+            </a:extLst>
+          </p:cNvPr>
+          <p:cNvPicPr>
+            <a:picLocks noChangeAspect="1"/>
+          </p:cNvPicPr>
+          <p:nvPr/>
+        </p:nvPicPr>
+        <p:blipFill>
+          <a:blip r:embed="rId3"/>
+          <a:stretch>
+            <a:fillRect/>
+          </a:stretch>
+        </p:blipFill>
+        <p:spPr>
+          <a:xfrm>
+            <a:off x="2469728" y="2824851"/>
+            <a:ext cx="7261089" cy="2649074"/>
+          </a:xfrm>
+          <a:prstGeom prst="rect">
+            <a:avLst/>
+          </a:prstGeom>
+        </p:spPr>
+      </p:pic>
+    </p:spTree>
+    <p:extLst>
+      <p:ext uri="{BB962C8B-B14F-4D97-AF65-F5344CB8AC3E}">
+        <p14:creationId xmlns:p14="http://schemas.microsoft.com/office/powerpoint/2010/main" val="532538227"/>
+      </p:ext>
+    </p:extLst>
+  </p:cSld>
+  <p:clrMapOvr>
+    <a:overrideClrMapping bg1="lt1" tx1="dk1" bg2="lt2" tx2="dk2" accent1="accent1" accent2="accent2" accent3="accent3" accent4="accent4" accent5="accent5" accent6="accent6" hlink="hlink" folHlink="folHlink"/>
+  </p:clrMapOvr>
+</p:sld>
+</file>
+
+<file path=ppt/slides/slide22.xml><?xml version="1.0" encoding="utf-8"?>
+<p:sld xmlns:a="http://schemas.openxmlformats.org/drawingml/2006/main" xmlns:r="http://schemas.openxmlformats.org/officeDocument/2006/relationships" xmlns:p="http://schemas.openxmlformats.org/presentationml/2006/main">
+  <p:cSld>
+    <p:spTree>
+      <p:nvGrpSpPr>
+        <p:cNvPr id="1" name=""/>
+        <p:cNvGrpSpPr/>
+        <p:nvPr/>
+      </p:nvGrpSpPr>
+      <p:grpSpPr>
+        <a:xfrm>
+          <a:off x="0" y="0"/>
+          <a:ext cx="0" cy="0"/>
+          <a:chOff x="0" y="0"/>
+          <a:chExt cx="0" cy="0"/>
+        </a:xfrm>
+      </p:grpSpPr>
+      <p:sp>
+        <p:nvSpPr>
+          <p:cNvPr id="5" name="Title 1">
+            <a:extLst>
+              <a:ext uri="{FF2B5EF4-FFF2-40B4-BE49-F238E27FC236}">
+                <a16:creationId xmlns:a16="http://schemas.microsoft.com/office/drawing/2014/main" id="{D179BF5E-E93E-4741-951E-C76C4CFB20A6}"/>
+              </a:ext>
+            </a:extLst>
+          </p:cNvPr>
+          <p:cNvSpPr>
+            <a:spLocks noGrp="1"/>
+          </p:cNvSpPr>
+          <p:nvPr/>
+        </p:nvSpPr>
+        <p:spPr>
+          <a:xfrm>
+            <a:off x="256704" y="303115"/>
+            <a:ext cx="7798384" cy="801532"/>
+          </a:xfrm>
+          <a:prstGeom prst="rect">
+            <a:avLst/>
+          </a:prstGeom>
+        </p:spPr>
+        <p:txBody>
+          <a:bodyPr vert="horz" lIns="91440" tIns="45720" rIns="91440" bIns="45720" rtlCol="0" anchor="ctr">
+            <a:normAutofit fontScale="85000" lnSpcReduction="10000"/>
+          </a:bodyPr>
+          <a:lstStyle>
+            <a:lvl1pPr algn="l" defTabSz="457200" rtl="0" eaLnBrk="1" latinLnBrk="0" hangingPunct="1">
+              <a:spcBef>
+                <a:spcPct val="0"/>
+              </a:spcBef>
+              <a:buNone/>
+              <a:defRPr sz="3600" kern="1200" cap="all">
+                <a:ln w="3175" cmpd="sng">
+                  <a:noFill/>
+                </a:ln>
+                <a:solidFill>
+                  <a:schemeClr val="tx1"/>
+                </a:solidFill>
+                <a:effectLst/>
+                <a:latin typeface="+mj-lt"/>
+                <a:ea typeface="+mj-ea"/>
+                <a:cs typeface="+mj-cs"/>
+              </a:defRPr>
+            </a:lvl1pPr>
+            <a:lvl2pPr eaLnBrk="1" hangingPunct="1">
+              <a:defRPr>
+                <a:solidFill>
+                  <a:schemeClr val="tx2"/>
+                </a:solidFill>
+              </a:defRPr>
+            </a:lvl2pPr>
+            <a:lvl3pPr eaLnBrk="1" hangingPunct="1">
+              <a:defRPr>
+                <a:solidFill>
+                  <a:schemeClr val="tx2"/>
+                </a:solidFill>
+              </a:defRPr>
+            </a:lvl3pPr>
+            <a:lvl4pPr eaLnBrk="1" hangingPunct="1">
+              <a:defRPr>
+                <a:solidFill>
+                  <a:schemeClr val="tx2"/>
+                </a:solidFill>
+              </a:defRPr>
+            </a:lvl4pPr>
+            <a:lvl5pPr eaLnBrk="1" hangingPunct="1">
+              <a:defRPr>
+                <a:solidFill>
+                  <a:schemeClr val="tx2"/>
+                </a:solidFill>
+              </a:defRPr>
+            </a:lvl5pPr>
+            <a:lvl6pPr eaLnBrk="1" hangingPunct="1">
+              <a:defRPr>
+                <a:solidFill>
+                  <a:schemeClr val="tx2"/>
+                </a:solidFill>
+              </a:defRPr>
+            </a:lvl6pPr>
+            <a:lvl7pPr eaLnBrk="1" hangingPunct="1">
+              <a:defRPr>
+                <a:solidFill>
+                  <a:schemeClr val="tx2"/>
+                </a:solidFill>
+              </a:defRPr>
+            </a:lvl7pPr>
+            <a:lvl8pPr eaLnBrk="1" hangingPunct="1">
+              <a:defRPr>
+                <a:solidFill>
+                  <a:schemeClr val="tx2"/>
+                </a:solidFill>
+              </a:defRPr>
+            </a:lvl8pPr>
+            <a:lvl9pPr eaLnBrk="1" hangingPunct="1">
+              <a:defRPr>
+                <a:solidFill>
+                  <a:schemeClr val="tx2"/>
+                </a:solidFill>
+              </a:defRPr>
+            </a:lvl9pPr>
+          </a:lstStyle>
+          <a:p>
+            <a:pPr>
+              <a:spcAft>
+                <a:spcPts val="600"/>
+              </a:spcAft>
+            </a:pPr>
+            <a:r>
+              <a:rPr lang="en-US" dirty="0">
+                <a:latin typeface="Bookman Old Style"/>
+              </a:rPr>
+              <a:t>Conclusions and future work</a:t>
+            </a:r>
+          </a:p>
+        </p:txBody>
+      </p:sp>
+      <p:sp>
+        <p:nvSpPr>
+          <p:cNvPr id="6" name="Content Placeholder 2">
+            <a:extLst>
+              <a:ext uri="{FF2B5EF4-FFF2-40B4-BE49-F238E27FC236}">
+                <a16:creationId xmlns:a16="http://schemas.microsoft.com/office/drawing/2014/main" id="{8973D492-50D1-4652-813C-0575201F3943}"/>
+              </a:ext>
+            </a:extLst>
+          </p:cNvPr>
+          <p:cNvSpPr>
+            <a:spLocks noGrp="1"/>
+          </p:cNvSpPr>
+          <p:nvPr/>
+        </p:nvSpPr>
+        <p:spPr>
+          <a:xfrm>
+            <a:off x="698939" y="1603412"/>
+            <a:ext cx="5763216" cy="3649133"/>
+          </a:xfrm>
+          <a:prstGeom prst="rect">
+            <a:avLst/>
+          </a:prstGeom>
+        </p:spPr>
+        <p:txBody>
+          <a:bodyPr vert="horz" lIns="91440" tIns="45720" rIns="91440" bIns="45720" rtlCol="0" anchor="ctr">
+            <a:normAutofit fontScale="92500" lnSpcReduction="20000"/>
+          </a:bodyPr>
+          <a:lstStyle>
+            <a:lvl1pPr marL="285750" indent="-285750" algn="l" defTabSz="457200" rtl="0" eaLnBrk="1" latinLnBrk="0" hangingPunct="1">
+              <a:spcBef>
+                <a:spcPts val="0"/>
+              </a:spcBef>
+              <a:spcAft>
+                <a:spcPts val="1000"/>
+              </a:spcAft>
+              <a:buClr>
+                <a:schemeClr val="tx1"/>
+              </a:buClr>
+              <a:buSzPct val="100000"/>
+              <a:buFont typeface="Arial"/>
+              <a:buChar char="•"/>
+              <a:defRPr sz="1800" kern="1200" cap="none">
+                <a:solidFill>
+                  <a:schemeClr val="tx1"/>
+                </a:solidFill>
+                <a:effectLst/>
+                <a:latin typeface="+mn-lt"/>
+                <a:ea typeface="+mn-ea"/>
+                <a:cs typeface="+mn-cs"/>
+              </a:defRPr>
+            </a:lvl1pPr>
+            <a:lvl2pPr marL="742950" indent="-285750" algn="l" defTabSz="457200" rtl="0" eaLnBrk="1" latinLnBrk="0" hangingPunct="1">
+              <a:spcBef>
+                <a:spcPts val="0"/>
+              </a:spcBef>
+              <a:spcAft>
+                <a:spcPts val="1000"/>
+              </a:spcAft>
+              <a:buClr>
+                <a:schemeClr val="tx1"/>
+              </a:buClr>
+              <a:buSzPct val="100000"/>
+              <a:buFont typeface="Arial"/>
+              <a:buChar char="•"/>
+              <a:defRPr sz="1600" kern="1200" cap="none">
+                <a:solidFill>
+                  <a:schemeClr val="tx1"/>
+                </a:solidFill>
+                <a:effectLst/>
+                <a:latin typeface="+mn-lt"/>
+                <a:ea typeface="+mn-ea"/>
+                <a:cs typeface="+mn-cs"/>
+              </a:defRPr>
+            </a:lvl2pPr>
+            <a:lvl3pPr marL="1200150" indent="-285750" algn="l" defTabSz="457200" rtl="0" eaLnBrk="1" latinLnBrk="0" hangingPunct="1">
+              <a:spcBef>
+                <a:spcPts val="0"/>
+              </a:spcBef>
+              <a:spcAft>
+                <a:spcPts val="1000"/>
+              </a:spcAft>
+              <a:buClr>
+                <a:schemeClr val="tx1"/>
+              </a:buClr>
+              <a:buSzPct val="100000"/>
+              <a:buFont typeface="Arial"/>
+              <a:buChar char="•"/>
+              <a:defRPr sz="1400" kern="1200" cap="none">
+                <a:solidFill>
+                  <a:schemeClr val="tx1"/>
+                </a:solidFill>
+                <a:effectLst/>
+                <a:latin typeface="+mn-lt"/>
+                <a:ea typeface="+mn-ea"/>
+                <a:cs typeface="+mn-cs"/>
+              </a:defRPr>
+            </a:lvl3pPr>
+            <a:lvl4pPr marL="1543050" indent="-171450" algn="l" defTabSz="457200" rtl="0" eaLnBrk="1" latinLnBrk="0" hangingPunct="1">
+              <a:spcBef>
+                <a:spcPts val="0"/>
+              </a:spcBef>
+              <a:spcAft>
+                <a:spcPts val="1000"/>
+              </a:spcAft>
+              <a:buClr>
+                <a:schemeClr val="tx1"/>
+              </a:buClr>
+              <a:buSzPct val="100000"/>
+              <a:buFont typeface="Arial"/>
+              <a:buChar char="•"/>
+              <a:defRPr sz="1200" kern="1200" cap="none">
+                <a:solidFill>
+                  <a:schemeClr val="tx1"/>
+                </a:solidFill>
+                <a:effectLst/>
+                <a:latin typeface="+mn-lt"/>
+                <a:ea typeface="+mn-ea"/>
+                <a:cs typeface="+mn-cs"/>
+              </a:defRPr>
+            </a:lvl4pPr>
+            <a:lvl5pPr marL="2000250" indent="-171450" algn="l" defTabSz="457200" rtl="0" eaLnBrk="1" latinLnBrk="0" hangingPunct="1">
+              <a:spcBef>
+                <a:spcPts val="0"/>
+              </a:spcBef>
+              <a:spcAft>
+                <a:spcPts val="1000"/>
+              </a:spcAft>
+              <a:buClr>
+                <a:schemeClr val="tx1"/>
+              </a:buClr>
+              <a:buSzPct val="100000"/>
+              <a:buFont typeface="Arial"/>
+              <a:buChar char="•"/>
+              <a:defRPr sz="1200" kern="1200" cap="none">
+                <a:solidFill>
+                  <a:schemeClr val="tx1"/>
+                </a:solidFill>
+                <a:effectLst/>
+                <a:latin typeface="+mn-lt"/>
+                <a:ea typeface="+mn-ea"/>
+                <a:cs typeface="+mn-cs"/>
+              </a:defRPr>
+            </a:lvl5pPr>
+            <a:lvl6pPr marL="2514600" indent="-228600" algn="l" defTabSz="457200" rtl="0" eaLnBrk="1" latinLnBrk="0" hangingPunct="1">
+              <a:spcBef>
+                <a:spcPts val="0"/>
+              </a:spcBef>
+              <a:spcAft>
+                <a:spcPts val="1000"/>
+              </a:spcAft>
+              <a:buClr>
+                <a:schemeClr val="tx1"/>
+              </a:buClr>
+              <a:buSzPct val="100000"/>
+              <a:buFont typeface="Arial"/>
+              <a:buChar char="•"/>
+              <a:defRPr sz="1200" kern="1200" cap="none">
+                <a:solidFill>
+                  <a:schemeClr val="tx1"/>
+                </a:solidFill>
+                <a:effectLst/>
+                <a:latin typeface="+mn-lt"/>
+                <a:ea typeface="+mn-ea"/>
+                <a:cs typeface="+mn-cs"/>
+              </a:defRPr>
+            </a:lvl6pPr>
+            <a:lvl7pPr marL="2971800" indent="-228600" algn="l" defTabSz="457200" rtl="0" eaLnBrk="1" latinLnBrk="0" hangingPunct="1">
+              <a:spcBef>
+                <a:spcPts val="0"/>
+              </a:spcBef>
+              <a:spcAft>
+                <a:spcPts val="1000"/>
+              </a:spcAft>
+              <a:buClr>
+                <a:schemeClr val="tx1"/>
+              </a:buClr>
+              <a:buSzPct val="100000"/>
+              <a:buFont typeface="Arial"/>
+              <a:buChar char="•"/>
+              <a:defRPr sz="1200" kern="1200" cap="none">
+                <a:solidFill>
+                  <a:schemeClr val="tx1"/>
+                </a:solidFill>
+                <a:effectLst/>
+                <a:latin typeface="+mn-lt"/>
+                <a:ea typeface="+mn-ea"/>
+                <a:cs typeface="+mn-cs"/>
+              </a:defRPr>
+            </a:lvl7pPr>
+            <a:lvl8pPr marL="3429000" indent="-228600" algn="l" defTabSz="457200" rtl="0" eaLnBrk="1" latinLnBrk="0" hangingPunct="1">
+              <a:spcBef>
+                <a:spcPts val="0"/>
+              </a:spcBef>
+              <a:spcAft>
+                <a:spcPts val="1000"/>
+              </a:spcAft>
+              <a:buClr>
+                <a:schemeClr val="tx1"/>
+              </a:buClr>
+              <a:buSzPct val="100000"/>
+              <a:buFont typeface="Arial"/>
+              <a:buChar char="•"/>
+              <a:defRPr sz="1200" kern="1200" cap="none">
+                <a:solidFill>
+                  <a:schemeClr val="tx1"/>
+                </a:solidFill>
+                <a:effectLst/>
+                <a:latin typeface="+mn-lt"/>
+                <a:ea typeface="+mn-ea"/>
+                <a:cs typeface="+mn-cs"/>
+              </a:defRPr>
+            </a:lvl8pPr>
+            <a:lvl9pPr marL="3886200" indent="-228600" algn="l" defTabSz="457200" rtl="0" eaLnBrk="1" latinLnBrk="0" hangingPunct="1">
+              <a:spcBef>
+                <a:spcPts val="0"/>
+              </a:spcBef>
+              <a:spcAft>
+                <a:spcPts val="1000"/>
+              </a:spcAft>
+              <a:buClr>
+                <a:schemeClr val="tx1"/>
+              </a:buClr>
+              <a:buSzPct val="100000"/>
+              <a:buFont typeface="Arial"/>
+              <a:buChar char="•"/>
+              <a:defRPr sz="1200" kern="1200" cap="none">
+                <a:solidFill>
+                  <a:schemeClr val="tx1"/>
+                </a:solidFill>
+                <a:effectLst/>
+                <a:latin typeface="+mn-lt"/>
+                <a:ea typeface="+mn-ea"/>
+                <a:cs typeface="+mn-cs"/>
+              </a:defRPr>
+            </a:lvl9pPr>
+          </a:lstStyle>
+          <a:p>
+            <a:r>
+              <a:rPr lang="en-US" dirty="0">
+                <a:latin typeface="Bookman Old Style"/>
+                <a:cs typeface="Calibri"/>
+              </a:rPr>
+              <a:t>Nowadays it is possible to develop good performance deep learning models on the edge (mist) devices.</a:t>
+            </a:r>
+          </a:p>
+          <a:p>
+            <a:pPr>
+              <a:buClr>
+                <a:srgbClr val="FFFFFF"/>
+              </a:buClr>
+            </a:pPr>
+            <a:r>
+              <a:rPr lang="en-US" dirty="0">
+                <a:latin typeface="Bookman Old Style"/>
+                <a:cs typeface="Calibri"/>
+              </a:rPr>
+              <a:t>STM32 latest microcontrollers allow to run deep learning models in inference phase.</a:t>
+            </a:r>
+          </a:p>
+          <a:p>
+            <a:pPr>
+              <a:buClr>
+                <a:srgbClr val="FFFFFF"/>
+              </a:buClr>
+            </a:pPr>
+            <a:r>
+              <a:rPr lang="en-US" dirty="0">
+                <a:latin typeface="Bookman Old Style"/>
+                <a:cs typeface="Calibri"/>
+              </a:rPr>
+              <a:t>It is necessary to conduct the research in 'deep learning on the edge':</a:t>
+            </a:r>
+          </a:p>
+          <a:p>
+            <a:pPr lvl="1">
+              <a:buClr>
+                <a:srgbClr val="FFFFFF"/>
+              </a:buClr>
+            </a:pPr>
+            <a:r>
+              <a:rPr lang="en-US" sz="1800" dirty="0">
+                <a:latin typeface="Bookman Old Style"/>
+                <a:cs typeface="Calibri"/>
+              </a:rPr>
+              <a:t>Transformer's optimization;</a:t>
+            </a:r>
+          </a:p>
+          <a:p>
+            <a:pPr lvl="1">
+              <a:buClr>
+                <a:srgbClr val="FFFFFF"/>
+              </a:buClr>
+            </a:pPr>
+            <a:r>
+              <a:rPr lang="en-US" sz="1800" dirty="0">
+                <a:latin typeface="Bookman Old Style"/>
+                <a:cs typeface="Calibri"/>
+              </a:rPr>
+              <a:t>Swarm AI;</a:t>
+            </a:r>
+          </a:p>
+          <a:p>
+            <a:pPr lvl="1">
+              <a:buClr>
+                <a:srgbClr val="FFFFFF"/>
+              </a:buClr>
+            </a:pPr>
+            <a:r>
+              <a:rPr lang="en-US" sz="1800" dirty="0">
+                <a:latin typeface="Bookman Old Style"/>
+                <a:cs typeface="Calibri"/>
+              </a:rPr>
+              <a:t>Reinforcement learning;</a:t>
+            </a:r>
+          </a:p>
+          <a:p>
+            <a:pPr lvl="1">
+              <a:buClr>
+                <a:srgbClr val="FFFFFF"/>
+              </a:buClr>
+            </a:pPr>
+            <a:r>
+              <a:rPr lang="en-US" sz="1800" dirty="0">
+                <a:latin typeface="Bookman Old Style"/>
+                <a:cs typeface="Calibri"/>
+              </a:rPr>
+              <a:t>Nature inspired metaheuristics;</a:t>
+            </a:r>
+          </a:p>
+          <a:p>
+            <a:pPr lvl="1">
+              <a:buClr>
+                <a:srgbClr val="FFFFFF"/>
+              </a:buClr>
+            </a:pPr>
+            <a:r>
+              <a:rPr lang="en-US" sz="1800" dirty="0">
+                <a:latin typeface="Bookman Old Style"/>
+                <a:cs typeface="Calibri"/>
+              </a:rPr>
+              <a:t>Edge parallel computing.</a:t>
+            </a:r>
+          </a:p>
+        </p:txBody>
+      </p:sp>
+      <p:sp>
+        <p:nvSpPr>
+          <p:cNvPr id="4" name="TextBox 1">
+            <a:extLst>
+              <a:ext uri="{FF2B5EF4-FFF2-40B4-BE49-F238E27FC236}">
+                <a16:creationId xmlns:a16="http://schemas.microsoft.com/office/drawing/2014/main" id="{246634F3-3E05-463A-AD30-33916C2122B0}"/>
+              </a:ext>
+            </a:extLst>
+          </p:cNvPr>
+          <p:cNvSpPr txBox="1"/>
+          <p:nvPr/>
+        </p:nvSpPr>
+        <p:spPr>
+          <a:xfrm>
+            <a:off x="7869560" y="1606432"/>
+            <a:ext cx="2743200" cy="4308872"/>
+          </a:xfrm>
+          <a:prstGeom prst="rect">
+            <a:avLst/>
+          </a:prstGeom>
+          <a:noFill/>
+        </p:spPr>
+        <p:txBody>
+          <a:bodyPr rot="0" spcFirstLastPara="0" vert="horz" wrap="square" lIns="91440" tIns="45720" rIns="91440" bIns="45720" numCol="1" spcCol="0" rtlCol="0" fromWordArt="0" anchor="t" anchorCtr="0" forceAA="0" compatLnSpc="1">
+            <a:prstTxWarp prst="textNoShape">
+              <a:avLst/>
+            </a:prstTxWarp>
+            <a:spAutoFit/>
+          </a:bodyPr>
+          <a:lstStyle>
+            <a:defPPr>
+              <a:defRPr lang="en-US"/>
+            </a:defPPr>
+            <a:lvl1pPr marL="0" algn="l" defTabSz="457200" rtl="0" eaLnBrk="1" latinLnBrk="0" hangingPunct="1">
+              <a:defRPr sz="1800" kern="1200">
+                <a:solidFill>
+                  <a:schemeClr val="tx1"/>
+                </a:solidFill>
+                <a:latin typeface="+mn-lt"/>
+                <a:ea typeface="+mn-ea"/>
+                <a:cs typeface="+mn-cs"/>
+              </a:defRPr>
+            </a:lvl1pPr>
+            <a:lvl2pPr marL="457200" algn="l" defTabSz="457200" rtl="0" eaLnBrk="1" latinLnBrk="0" hangingPunct="1">
+              <a:defRPr sz="1800" kern="1200">
+                <a:solidFill>
+                  <a:schemeClr val="tx1"/>
+                </a:solidFill>
+                <a:latin typeface="+mn-lt"/>
+                <a:ea typeface="+mn-ea"/>
+                <a:cs typeface="+mn-cs"/>
+              </a:defRPr>
+            </a:lvl2pPr>
+            <a:lvl3pPr marL="914400" algn="l" defTabSz="457200" rtl="0" eaLnBrk="1" latinLnBrk="0" hangingPunct="1">
+              <a:defRPr sz="1800" kern="1200">
+                <a:solidFill>
+                  <a:schemeClr val="tx1"/>
+                </a:solidFill>
+                <a:latin typeface="+mn-lt"/>
+                <a:ea typeface="+mn-ea"/>
+                <a:cs typeface="+mn-cs"/>
+              </a:defRPr>
+            </a:lvl3pPr>
+            <a:lvl4pPr marL="1371600" algn="l" defTabSz="457200" rtl="0" eaLnBrk="1" latinLnBrk="0" hangingPunct="1">
+              <a:defRPr sz="1800" kern="1200">
+                <a:solidFill>
+                  <a:schemeClr val="tx1"/>
+                </a:solidFill>
+                <a:latin typeface="+mn-lt"/>
+                <a:ea typeface="+mn-ea"/>
+                <a:cs typeface="+mn-cs"/>
+              </a:defRPr>
+            </a:lvl4pPr>
+            <a:lvl5pPr marL="1828800" algn="l" defTabSz="457200" rtl="0" eaLnBrk="1" latinLnBrk="0" hangingPunct="1">
+              <a:defRPr sz="1800" kern="1200">
+                <a:solidFill>
+                  <a:schemeClr val="tx1"/>
+                </a:solidFill>
+                <a:latin typeface="+mn-lt"/>
+                <a:ea typeface="+mn-ea"/>
+                <a:cs typeface="+mn-cs"/>
+              </a:defRPr>
+            </a:lvl5pPr>
+            <a:lvl6pPr marL="2286000" algn="l" defTabSz="457200" rtl="0" eaLnBrk="1" latinLnBrk="0" hangingPunct="1">
+              <a:defRPr sz="1800" kern="1200">
+                <a:solidFill>
+                  <a:schemeClr val="tx1"/>
+                </a:solidFill>
+                <a:latin typeface="+mn-lt"/>
+                <a:ea typeface="+mn-ea"/>
+                <a:cs typeface="+mn-cs"/>
+              </a:defRPr>
+            </a:lvl6pPr>
+            <a:lvl7pPr marL="2743200" algn="l" defTabSz="457200" rtl="0" eaLnBrk="1" latinLnBrk="0" hangingPunct="1">
+              <a:defRPr sz="1800" kern="1200">
+                <a:solidFill>
+                  <a:schemeClr val="tx1"/>
+                </a:solidFill>
+                <a:latin typeface="+mn-lt"/>
+                <a:ea typeface="+mn-ea"/>
+                <a:cs typeface="+mn-cs"/>
+              </a:defRPr>
+            </a:lvl7pPr>
+            <a:lvl8pPr marL="3200400" algn="l" defTabSz="457200" rtl="0" eaLnBrk="1" latinLnBrk="0" hangingPunct="1">
+              <a:defRPr sz="1800" kern="1200">
+                <a:solidFill>
+                  <a:schemeClr val="tx1"/>
+                </a:solidFill>
+                <a:latin typeface="+mn-lt"/>
+                <a:ea typeface="+mn-ea"/>
+                <a:cs typeface="+mn-cs"/>
+              </a:defRPr>
+            </a:lvl8pPr>
+            <a:lvl9pPr marL="3657600" algn="l" defTabSz="457200" rtl="0" eaLnBrk="1" latinLnBrk="0" hangingPunct="1">
+              <a:defRPr sz="1800" kern="1200">
+                <a:solidFill>
+                  <a:schemeClr val="tx1"/>
+                </a:solidFill>
+                <a:latin typeface="+mn-lt"/>
+                <a:ea typeface="+mn-ea"/>
+                <a:cs typeface="+mn-cs"/>
+              </a:defRPr>
+            </a:lvl9pPr>
+          </a:lstStyle>
+          <a:p>
+            <a:r>
+              <a:rPr lang="en-US" dirty="0">
+                <a:latin typeface="Bookman Old Style"/>
+                <a:cs typeface="Calibri"/>
+              </a:rPr>
+              <a:t>TO DO:</a:t>
+            </a:r>
+          </a:p>
+          <a:p>
+            <a:endParaRPr lang="en-US" sz="1700" dirty="0">
+              <a:latin typeface="Bookman Old Style"/>
+              <a:cs typeface="Calibri"/>
+            </a:endParaRPr>
+          </a:p>
+          <a:p>
+            <a:pPr marL="285750" indent="-285750">
+              <a:buFont typeface="Arial"/>
+              <a:buChar char="•"/>
+            </a:pPr>
+            <a:r>
+              <a:rPr lang="en-US" sz="1700">
+                <a:latin typeface="Bookman Old Style"/>
+                <a:cs typeface="Calibri"/>
+              </a:rPr>
+              <a:t>Implement different models and compare them.</a:t>
+            </a:r>
+            <a:endParaRPr lang="en-US" sz="1700" dirty="0">
+              <a:latin typeface="Bookman Old Style"/>
+              <a:cs typeface="Calibri"/>
+            </a:endParaRPr>
+          </a:p>
+          <a:p>
+            <a:endParaRPr lang="en-US" sz="1700" dirty="0">
+              <a:latin typeface="Bookman Old Style"/>
+              <a:cs typeface="Calibri"/>
+            </a:endParaRPr>
+          </a:p>
+          <a:p>
+            <a:pPr marL="285750" indent="-285750">
+              <a:buFont typeface="Arial"/>
+              <a:buChar char="•"/>
+            </a:pPr>
+            <a:r>
+              <a:rPr lang="en-US" sz="1700" dirty="0">
+                <a:latin typeface="Bookman Old Style"/>
+                <a:cs typeface="Calibri"/>
+              </a:rPr>
+              <a:t>Investigate hyperparameters optimization via swarm approaches.</a:t>
+            </a:r>
+          </a:p>
+          <a:p>
+            <a:endParaRPr lang="en-US" sz="1700" dirty="0">
+              <a:latin typeface="Bookman Old Style"/>
+              <a:cs typeface="Calibri"/>
+            </a:endParaRPr>
+          </a:p>
+          <a:p>
+            <a:pPr marL="285750" indent="-285750">
+              <a:buFont typeface="Arial"/>
+              <a:buChar char="•"/>
+            </a:pPr>
+            <a:r>
+              <a:rPr lang="en-US" sz="1700" dirty="0">
+                <a:latin typeface="Bookman Old Style"/>
+                <a:cs typeface="Calibri"/>
+              </a:rPr>
+              <a:t>Enhance model logic: anomaly detection, PID controller prediction etc. </a:t>
+            </a:r>
+          </a:p>
+          <a:p>
+            <a:pPr marL="285750" indent="-285750">
+              <a:buFont typeface="Arial"/>
+              <a:buChar char="•"/>
+            </a:pPr>
+            <a:endParaRPr lang="en-US" dirty="0">
+              <a:cs typeface="Calibri"/>
+            </a:endParaRPr>
+          </a:p>
+        </p:txBody>
+      </p:sp>
+    </p:spTree>
+    <p:extLst>
+      <p:ext uri="{BB962C8B-B14F-4D97-AF65-F5344CB8AC3E}">
+        <p14:creationId xmlns:p14="http://schemas.microsoft.com/office/powerpoint/2010/main" val="2607097905"/>
+      </p:ext>
+    </p:extLst>
+  </p:cSld>
+  <p:clrMapOvr>
+    <a:masterClrMapping/>
+  </p:clrMapOvr>
+</p:sld>
+</file>
+
+<file path=ppt/slides/slide23.xml><?xml version="1.0" encoding="utf-8"?>
+<p:sld xmlns:a="http://schemas.openxmlformats.org/drawingml/2006/main" xmlns:r="http://schemas.openxmlformats.org/officeDocument/2006/relationships" xmlns:p="http://schemas.openxmlformats.org/presentationml/2006/main">
+  <p:cSld>
+    <p:spTree>
+      <p:nvGrpSpPr>
+        <p:cNvPr id="1" name=""/>
+        <p:cNvGrpSpPr/>
+        <p:nvPr/>
+      </p:nvGrpSpPr>
+      <p:grpSpPr>
+        <a:xfrm>
+          <a:off x="0" y="0"/>
+          <a:ext cx="0" cy="0"/>
+          <a:chOff x="0" y="0"/>
+          <a:chExt cx="0" cy="0"/>
+        </a:xfrm>
+      </p:grpSpPr>
+      <p:sp>
+        <p:nvSpPr>
+          <p:cNvPr id="3" name="Title 1">
+            <a:extLst>
+              <a:ext uri="{FF2B5EF4-FFF2-40B4-BE49-F238E27FC236}">
+                <a16:creationId xmlns:a16="http://schemas.microsoft.com/office/drawing/2014/main" id="{2E3A356B-39D1-4C5F-8364-0DE4C29A2AF4}"/>
+              </a:ext>
+            </a:extLst>
+          </p:cNvPr>
+          <p:cNvSpPr txBox="1">
+            <a:spLocks/>
+          </p:cNvSpPr>
+          <p:nvPr/>
+        </p:nvSpPr>
+        <p:spPr>
+          <a:xfrm>
+            <a:off x="827568" y="2443717"/>
+            <a:ext cx="11132657" cy="1456267"/>
+          </a:xfrm>
+          <a:prstGeom prst="rect">
+            <a:avLst/>
+          </a:prstGeom>
+        </p:spPr>
+        <p:txBody>
+          <a:bodyPr lIns="91440" tIns="45720" rIns="91440" bIns="45720" anchor="t"/>
+          <a:lstStyle>
+            <a:lvl1pPr algn="l" defTabSz="457200" rtl="0" eaLnBrk="1" latinLnBrk="0" hangingPunct="1">
+              <a:spcBef>
+                <a:spcPct val="0"/>
+              </a:spcBef>
+              <a:buNone/>
+              <a:defRPr sz="3600" kern="1200" cap="all">
+                <a:ln w="3175" cmpd="sng">
+                  <a:noFill/>
+                </a:ln>
+                <a:solidFill>
+                  <a:schemeClr val="tx1"/>
+                </a:solidFill>
+                <a:effectLst/>
+                <a:latin typeface="+mj-lt"/>
+                <a:ea typeface="+mj-ea"/>
+                <a:cs typeface="+mj-cs"/>
+              </a:defRPr>
+            </a:lvl1pPr>
+            <a:lvl2pPr eaLnBrk="1" hangingPunct="1">
+              <a:defRPr>
+                <a:solidFill>
+                  <a:schemeClr val="tx2"/>
+                </a:solidFill>
+              </a:defRPr>
+            </a:lvl2pPr>
+            <a:lvl3pPr eaLnBrk="1" hangingPunct="1">
+              <a:defRPr>
+                <a:solidFill>
+                  <a:schemeClr val="tx2"/>
+                </a:solidFill>
+              </a:defRPr>
+            </a:lvl3pPr>
+            <a:lvl4pPr eaLnBrk="1" hangingPunct="1">
+              <a:defRPr>
+                <a:solidFill>
+                  <a:schemeClr val="tx2"/>
+                </a:solidFill>
+              </a:defRPr>
+            </a:lvl4pPr>
+            <a:lvl5pPr eaLnBrk="1" hangingPunct="1">
+              <a:defRPr>
+                <a:solidFill>
+                  <a:schemeClr val="tx2"/>
+                </a:solidFill>
+              </a:defRPr>
+            </a:lvl5pPr>
+            <a:lvl6pPr eaLnBrk="1" hangingPunct="1">
+              <a:defRPr>
+                <a:solidFill>
+                  <a:schemeClr val="tx2"/>
+                </a:solidFill>
+              </a:defRPr>
+            </a:lvl6pPr>
+            <a:lvl7pPr eaLnBrk="1" hangingPunct="1">
+              <a:defRPr>
+                <a:solidFill>
+                  <a:schemeClr val="tx2"/>
+                </a:solidFill>
+              </a:defRPr>
+            </a:lvl7pPr>
+            <a:lvl8pPr eaLnBrk="1" hangingPunct="1">
+              <a:defRPr>
+                <a:solidFill>
+                  <a:schemeClr val="tx2"/>
+                </a:solidFill>
+              </a:defRPr>
+            </a:lvl8pPr>
+            <a:lvl9pPr eaLnBrk="1" hangingPunct="1">
+              <a:defRPr>
+                <a:solidFill>
+                  <a:schemeClr val="tx2"/>
+                </a:solidFill>
+              </a:defRPr>
+            </a:lvl9pPr>
+          </a:lstStyle>
+          <a:p>
+            <a:r>
+              <a:rPr lang="en-US" sz="5400" dirty="0">
+                <a:latin typeface="Bookman Old Style"/>
+                <a:cs typeface="Calibri Light"/>
+              </a:rPr>
+              <a:t>Thank you for attention!</a:t>
+            </a:r>
+          </a:p>
+        </p:txBody>
+      </p:sp>
+      <p:sp>
+        <p:nvSpPr>
+          <p:cNvPr id="5" name="Title 1">
+            <a:extLst>
+              <a:ext uri="{FF2B5EF4-FFF2-40B4-BE49-F238E27FC236}">
+                <a16:creationId xmlns:a16="http://schemas.microsoft.com/office/drawing/2014/main" id="{47D47CC5-C6D7-4D93-AA6F-027611C1CDD3}"/>
+              </a:ext>
+            </a:extLst>
+          </p:cNvPr>
+          <p:cNvSpPr txBox="1">
+            <a:spLocks/>
+          </p:cNvSpPr>
+          <p:nvPr/>
+        </p:nvSpPr>
+        <p:spPr>
+          <a:xfrm>
+            <a:off x="5266662" y="3949996"/>
+            <a:ext cx="1651961" cy="844895"/>
+          </a:xfrm>
+          <a:prstGeom prst="rect">
+            <a:avLst/>
+          </a:prstGeom>
+        </p:spPr>
+        <p:txBody>
+          <a:bodyPr lIns="91440" tIns="45720" rIns="91440" bIns="45720" anchor="t"/>
+          <a:lstStyle>
+            <a:lvl1pPr algn="l" defTabSz="457200" rtl="0" eaLnBrk="1" latinLnBrk="0" hangingPunct="1">
+              <a:spcBef>
+                <a:spcPct val="0"/>
+              </a:spcBef>
+              <a:buNone/>
+              <a:defRPr sz="3600" kern="1200" cap="all">
+                <a:ln w="3175" cmpd="sng">
+                  <a:noFill/>
+                </a:ln>
+                <a:solidFill>
+                  <a:schemeClr val="tx1"/>
+                </a:solidFill>
+                <a:effectLst/>
+                <a:latin typeface="+mj-lt"/>
+                <a:ea typeface="+mj-ea"/>
+                <a:cs typeface="+mj-cs"/>
+              </a:defRPr>
+            </a:lvl1pPr>
+            <a:lvl2pPr eaLnBrk="1" hangingPunct="1">
+              <a:defRPr>
+                <a:solidFill>
+                  <a:schemeClr val="tx2"/>
+                </a:solidFill>
+              </a:defRPr>
+            </a:lvl2pPr>
+            <a:lvl3pPr eaLnBrk="1" hangingPunct="1">
+              <a:defRPr>
+                <a:solidFill>
+                  <a:schemeClr val="tx2"/>
+                </a:solidFill>
+              </a:defRPr>
+            </a:lvl3pPr>
+            <a:lvl4pPr eaLnBrk="1" hangingPunct="1">
+              <a:defRPr>
+                <a:solidFill>
+                  <a:schemeClr val="tx2"/>
+                </a:solidFill>
+              </a:defRPr>
+            </a:lvl4pPr>
+            <a:lvl5pPr eaLnBrk="1" hangingPunct="1">
+              <a:defRPr>
+                <a:solidFill>
+                  <a:schemeClr val="tx2"/>
+                </a:solidFill>
+              </a:defRPr>
+            </a:lvl5pPr>
+            <a:lvl6pPr eaLnBrk="1" hangingPunct="1">
+              <a:defRPr>
+                <a:solidFill>
+                  <a:schemeClr val="tx2"/>
+                </a:solidFill>
+              </a:defRPr>
+            </a:lvl6pPr>
+            <a:lvl7pPr eaLnBrk="1" hangingPunct="1">
+              <a:defRPr>
+                <a:solidFill>
+                  <a:schemeClr val="tx2"/>
+                </a:solidFill>
+              </a:defRPr>
+            </a:lvl7pPr>
+            <a:lvl8pPr eaLnBrk="1" hangingPunct="1">
+              <a:defRPr>
+                <a:solidFill>
+                  <a:schemeClr val="tx2"/>
+                </a:solidFill>
+              </a:defRPr>
+            </a:lvl8pPr>
+            <a:lvl9pPr eaLnBrk="1" hangingPunct="1">
+              <a:defRPr>
+                <a:solidFill>
+                  <a:schemeClr val="tx2"/>
+                </a:solidFill>
+              </a:defRPr>
+            </a:lvl9pPr>
+          </a:lstStyle>
+          <a:p>
+            <a:r>
+              <a:rPr lang="en-US" sz="4500" dirty="0">
+                <a:latin typeface="Bookman Old Style"/>
+                <a:cs typeface="Calibri Light"/>
+              </a:rPr>
+              <a:t>Q&amp;A</a:t>
+            </a:r>
+          </a:p>
+        </p:txBody>
+      </p:sp>
+    </p:spTree>
+    <p:extLst>
+      <p:ext uri="{BB962C8B-B14F-4D97-AF65-F5344CB8AC3E}">
+        <p14:creationId xmlns:p14="http://schemas.microsoft.com/office/powerpoint/2010/main" val="1815913685"/>
       </p:ext>
     </p:extLst>
   </p:cSld>
